--- a/TWITTER SENTIMENTS ANALYSIS.pptx
+++ b/TWITTER SENTIMENTS ANALYSIS.pptx
@@ -113,6 +113,11 @@
       </a:defRPr>
     </a:lvl9pPr>
   </p:defaultTextStyle>
+  <p:extLst>
+    <p:ext uri="{EFAFB233-063F-42B5-8137-9DF3F51BA10A}">
+      <p15:sldGuideLst xmlns:p15="http://schemas.microsoft.com/office/powerpoint/2012/main"/>
+    </p:ext>
+  </p:extLst>
 </p:presentation>
 </file>
 
@@ -362,7 +367,7 @@
             <a:fld id="{B61BEF0D-F0BB-DE4B-95CE-6DB70DBA9567}" type="datetimeFigureOut">
               <a:rPr lang="en-US" dirty="0"/>
               <a:pPr/>
-              <a:t>7/15/2025</a:t>
+              <a:t>7/17/2025</a:t>
             </a:fld>
             <a:endParaRPr lang="en-US" dirty="0"/>
           </a:p>
@@ -621,7 +626,7 @@
             <a:fld id="{B61BEF0D-F0BB-DE4B-95CE-6DB70DBA9567}" type="datetimeFigureOut">
               <a:rPr lang="en-US" dirty="0"/>
               <a:pPr/>
-              <a:t>7/15/2025</a:t>
+              <a:t>7/17/2025</a:t>
             </a:fld>
             <a:endParaRPr lang="en-US" dirty="0"/>
           </a:p>
@@ -853,7 +858,7 @@
             <a:fld id="{B61BEF0D-F0BB-DE4B-95CE-6DB70DBA9567}" type="datetimeFigureOut">
               <a:rPr lang="en-US" dirty="0"/>
               <a:pPr/>
-              <a:t>7/15/2025</a:t>
+              <a:t>7/17/2025</a:t>
             </a:fld>
             <a:endParaRPr lang="en-US" dirty="0"/>
           </a:p>
@@ -1090,7 +1095,7 @@
             <a:fld id="{B61BEF0D-F0BB-DE4B-95CE-6DB70DBA9567}" type="datetimeFigureOut">
               <a:rPr lang="en-US" dirty="0"/>
               <a:pPr/>
-              <a:t>7/15/2025</a:t>
+              <a:t>7/17/2025</a:t>
             </a:fld>
             <a:endParaRPr lang="en-US" dirty="0"/>
           </a:p>
@@ -1394,7 +1399,7 @@
             <a:fld id="{B61BEF0D-F0BB-DE4B-95CE-6DB70DBA9567}" type="datetimeFigureOut">
               <a:rPr lang="en-US" dirty="0"/>
               <a:pPr/>
-              <a:t>7/15/2025</a:t>
+              <a:t>7/17/2025</a:t>
             </a:fld>
             <a:endParaRPr lang="en-US" dirty="0"/>
           </a:p>
@@ -1693,7 +1698,7 @@
             <a:fld id="{B61BEF0D-F0BB-DE4B-95CE-6DB70DBA9567}" type="datetimeFigureOut">
               <a:rPr lang="en-US" dirty="0"/>
               <a:pPr/>
-              <a:t>7/15/2025</a:t>
+              <a:t>7/17/2025</a:t>
             </a:fld>
             <a:endParaRPr lang="en-US" dirty="0"/>
           </a:p>
@@ -2112,7 +2117,7 @@
             <a:fld id="{B61BEF0D-F0BB-DE4B-95CE-6DB70DBA9567}" type="datetimeFigureOut">
               <a:rPr lang="en-US" dirty="0"/>
               <a:pPr/>
-              <a:t>7/15/2025</a:t>
+              <a:t>7/17/2025</a:t>
             </a:fld>
             <a:endParaRPr lang="en-US" dirty="0"/>
           </a:p>
@@ -2271,7 +2276,7 @@
             <a:fld id="{B61BEF0D-F0BB-DE4B-95CE-6DB70DBA9567}" type="datetimeFigureOut">
               <a:rPr lang="en-US" dirty="0"/>
               <a:pPr/>
-              <a:t>7/15/2025</a:t>
+              <a:t>7/17/2025</a:t>
             </a:fld>
             <a:endParaRPr lang="en-US" dirty="0"/>
           </a:p>
@@ -2363,7 +2368,7 @@
             <a:fld id="{B61BEF0D-F0BB-DE4B-95CE-6DB70DBA9567}" type="datetimeFigureOut">
               <a:rPr lang="en-US" dirty="0"/>
               <a:pPr/>
-              <a:t>7/15/2025</a:t>
+              <a:t>7/17/2025</a:t>
             </a:fld>
             <a:endParaRPr lang="en-US" dirty="0"/>
           </a:p>
@@ -2738,7 +2743,7 @@
             <a:fld id="{B61BEF0D-F0BB-DE4B-95CE-6DB70DBA9567}" type="datetimeFigureOut">
               <a:rPr lang="en-US" dirty="0"/>
               <a:pPr/>
-              <a:t>7/15/2025</a:t>
+              <a:t>7/17/2025</a:t>
             </a:fld>
             <a:endParaRPr lang="en-US" dirty="0"/>
           </a:p>
@@ -3024,7 +3029,7 @@
             <a:fld id="{B61BEF0D-F0BB-DE4B-95CE-6DB70DBA9567}" type="datetimeFigureOut">
               <a:rPr lang="en-US" dirty="0"/>
               <a:pPr/>
-              <a:t>7/15/2025</a:t>
+              <a:t>7/17/2025</a:t>
             </a:fld>
             <a:endParaRPr lang="en-US" dirty="0"/>
           </a:p>
@@ -3232,7 +3237,7 @@
             <a:fld id="{B61BEF0D-F0BB-DE4B-95CE-6DB70DBA9567}" type="datetimeFigureOut">
               <a:rPr lang="en-US" dirty="0"/>
               <a:pPr/>
-              <a:t>7/15/2025</a:t>
+              <a:t>7/17/2025</a:t>
             </a:fld>
             <a:endParaRPr lang="en-US" dirty="0"/>
           </a:p>
@@ -3815,6 +3820,14 @@
 <file path=ppt/slides/slide1.xml><?xml version="1.0" encoding="utf-8"?>
 <p:sld xmlns:a="http://schemas.openxmlformats.org/drawingml/2006/main" xmlns:r="http://schemas.openxmlformats.org/officeDocument/2006/relationships" xmlns:p="http://schemas.openxmlformats.org/presentationml/2006/main">
   <p:cSld>
+    <p:bg>
+      <p:bgPr>
+        <a:solidFill>
+          <a:schemeClr val="bg1"/>
+        </a:solidFill>
+        <a:effectLst/>
+      </p:bgPr>
+    </p:bg>
     <p:spTree>
       <p:nvGrpSpPr>
         <p:cNvPr id="1" name=""/>
@@ -3829,6 +3842,372 @@
           <a:chExt cx="0" cy="0"/>
         </a:xfrm>
       </p:grpSpPr>
+      <p:sp useBgFill="1">
+        <p:nvSpPr>
+          <p:cNvPr id="18" name="Rectangle 17">
+            <a:extLst>
+              <a:ext uri="{FF2B5EF4-FFF2-40B4-BE49-F238E27FC236}">
+                <a16:creationId xmlns:a16="http://schemas.microsoft.com/office/drawing/2014/main" id="{C1FA8F66-3B85-411D-A2A6-A50DF3026D9A}"/>
+              </a:ext>
+              <a:ext uri="{C183D7F6-B498-43B3-948B-1728B52AA6E4}">
+                <adec:decorative xmlns:adec="http://schemas.microsoft.com/office/drawing/2017/decorative" val="1"/>
+              </a:ext>
+            </a:extLst>
+          </p:cNvPr>
+          <p:cNvSpPr>
+            <a:spLocks noGrp="1" noRot="1" noChangeAspect="1" noMove="1" noResize="1" noEditPoints="1" noAdjustHandles="1" noChangeArrowheads="1" noChangeShapeType="1" noTextEdit="1"/>
+          </p:cNvSpPr>
+          <p:nvPr>
+            <p:extLst>
+              <p:ext uri="{386F3935-93C4-4BCD-93E2-E3B085C9AB24}">
+                <p16:designElem xmlns:p16="http://schemas.microsoft.com/office/powerpoint/2015/main" val="1"/>
+              </p:ext>
+            </p:extLst>
+          </p:nvPr>
+        </p:nvSpPr>
+        <p:spPr>
+          <a:xfrm>
+            <a:off x="0" y="0"/>
+            <a:ext cx="12192000" cy="6858000"/>
+          </a:xfrm>
+          <a:prstGeom prst="rect">
+            <a:avLst/>
+          </a:prstGeom>
+          <a:ln>
+            <a:noFill/>
+          </a:ln>
+        </p:spPr>
+        <p:style>
+          <a:lnRef idx="2">
+            <a:schemeClr val="accent1">
+              <a:shade val="50000"/>
+            </a:schemeClr>
+          </a:lnRef>
+          <a:fillRef idx="1">
+            <a:schemeClr val="accent1"/>
+          </a:fillRef>
+          <a:effectRef idx="0">
+            <a:schemeClr val="accent1"/>
+          </a:effectRef>
+          <a:fontRef idx="minor">
+            <a:schemeClr val="lt1"/>
+          </a:fontRef>
+        </p:style>
+        <p:txBody>
+          <a:bodyPr rtlCol="0" anchor="ctr"/>
+          <a:lstStyle/>
+          <a:p>
+            <a:pPr marL="0" marR="0" lvl="0" indent="0" algn="ctr" defTabSz="457200" rtl="0" eaLnBrk="1" fontAlgn="auto" latinLnBrk="0" hangingPunct="1">
+              <a:lnSpc>
+                <a:spcPct val="100000"/>
+              </a:lnSpc>
+              <a:spcBef>
+                <a:spcPts val="0"/>
+              </a:spcBef>
+              <a:spcAft>
+                <a:spcPts val="0"/>
+              </a:spcAft>
+              <a:buClrTx/>
+              <a:buSzTx/>
+              <a:buFontTx/>
+              <a:buNone/>
+              <a:tabLst/>
+              <a:defRPr/>
+            </a:pPr>
+            <a:endParaRPr kumimoji="0" lang="en-US" sz="1800" b="0" i="0" u="none" strike="noStrike" kern="1200" cap="none" spc="0" normalizeH="0" baseline="0" noProof="0">
+              <a:ln>
+                <a:noFill/>
+              </a:ln>
+              <a:solidFill>
+                <a:prstClr val="white"/>
+              </a:solidFill>
+              <a:effectLst/>
+              <a:uLnTx/>
+              <a:uFillTx/>
+              <a:latin typeface="Gill Sans MT" panose="020B0502020104020203"/>
+              <a:ea typeface="+mn-ea"/>
+              <a:cs typeface="+mn-cs"/>
+            </a:endParaRPr>
+          </a:p>
+        </p:txBody>
+      </p:sp>
+      <p:pic>
+        <p:nvPicPr>
+          <p:cNvPr id="5" name="Picture 4" descr="Pipette adding DNA sample to a petri dish">
+            <a:extLst>
+              <a:ext uri="{FF2B5EF4-FFF2-40B4-BE49-F238E27FC236}">
+                <a16:creationId xmlns:a16="http://schemas.microsoft.com/office/drawing/2014/main" id="{3C652201-098B-653F-8554-3644A48E3095}"/>
+              </a:ext>
+            </a:extLst>
+          </p:cNvPr>
+          <p:cNvPicPr>
+            <a:picLocks noChangeAspect="1"/>
+          </p:cNvPicPr>
+          <p:nvPr/>
+        </p:nvPicPr>
+        <p:blipFill>
+          <a:blip r:embed="rId2"/>
+          <a:srcRect t="31818" r="9091"/>
+          <a:stretch>
+            <a:fillRect/>
+          </a:stretch>
+        </p:blipFill>
+        <p:spPr>
+          <a:xfrm>
+            <a:off x="20" y="10"/>
+            <a:ext cx="12191980" cy="6857990"/>
+          </a:xfrm>
+          <a:prstGeom prst="rect">
+            <a:avLst/>
+          </a:prstGeom>
+        </p:spPr>
+      </p:pic>
+      <p:sp>
+        <p:nvSpPr>
+          <p:cNvPr id="20" name="Rectangle 19">
+            <a:extLst>
+              <a:ext uri="{FF2B5EF4-FFF2-40B4-BE49-F238E27FC236}">
+                <a16:creationId xmlns:a16="http://schemas.microsoft.com/office/drawing/2014/main" id="{D695E25C-06E7-4082-BE92-B571B616BC5A}"/>
+              </a:ext>
+              <a:ext uri="{C183D7F6-B498-43B3-948B-1728B52AA6E4}">
+                <adec:decorative xmlns:adec="http://schemas.microsoft.com/office/drawing/2017/decorative" val="1"/>
+              </a:ext>
+            </a:extLst>
+          </p:cNvPr>
+          <p:cNvSpPr>
+            <a:spLocks noGrp="1" noRot="1" noChangeAspect="1" noMove="1" noResize="1" noEditPoints="1" noAdjustHandles="1" noChangeArrowheads="1" noChangeShapeType="1" noTextEdit="1"/>
+          </p:cNvSpPr>
+          <p:nvPr>
+            <p:extLst>
+              <p:ext uri="{386F3935-93C4-4BCD-93E2-E3B085C9AB24}">
+                <p16:designElem xmlns:p16="http://schemas.microsoft.com/office/powerpoint/2015/main" val="1"/>
+              </p:ext>
+            </p:extLst>
+          </p:nvPr>
+        </p:nvSpPr>
+        <p:spPr>
+          <a:xfrm>
+            <a:off x="446534" y="457200"/>
+            <a:ext cx="3703320" cy="94997"/>
+          </a:xfrm>
+          <a:prstGeom prst="rect">
+            <a:avLst/>
+          </a:prstGeom>
+          <a:solidFill>
+            <a:schemeClr val="accent1"/>
+          </a:solidFill>
+          <a:ln>
+            <a:noFill/>
+          </a:ln>
+          <a:effectLst/>
+        </p:spPr>
+        <p:style>
+          <a:lnRef idx="1">
+            <a:schemeClr val="accent1"/>
+          </a:lnRef>
+          <a:fillRef idx="3">
+            <a:schemeClr val="accent1"/>
+          </a:fillRef>
+          <a:effectRef idx="2">
+            <a:schemeClr val="accent1"/>
+          </a:effectRef>
+          <a:fontRef idx="minor">
+            <a:schemeClr val="lt1"/>
+          </a:fontRef>
+        </p:style>
+        <p:txBody>
+          <a:bodyPr/>
+          <a:lstStyle/>
+          <a:p>
+            <a:endParaRPr lang="en-KE"/>
+          </a:p>
+        </p:txBody>
+      </p:sp>
+      <p:sp>
+        <p:nvSpPr>
+          <p:cNvPr id="22" name="Rectangle 21">
+            <a:extLst>
+              <a:ext uri="{FF2B5EF4-FFF2-40B4-BE49-F238E27FC236}">
+                <a16:creationId xmlns:a16="http://schemas.microsoft.com/office/drawing/2014/main" id="{9257916F-271C-4D56-AEDE-0309D1746F14}"/>
+              </a:ext>
+              <a:ext uri="{C183D7F6-B498-43B3-948B-1728B52AA6E4}">
+                <adec:decorative xmlns:adec="http://schemas.microsoft.com/office/drawing/2017/decorative" val="1"/>
+              </a:ext>
+            </a:extLst>
+          </p:cNvPr>
+          <p:cNvSpPr>
+            <a:spLocks noGrp="1" noRot="1" noChangeAspect="1" noMove="1" noResize="1" noEditPoints="1" noAdjustHandles="1" noChangeArrowheads="1" noChangeShapeType="1" noTextEdit="1"/>
+          </p:cNvSpPr>
+          <p:nvPr>
+            <p:extLst>
+              <p:ext uri="{386F3935-93C4-4BCD-93E2-E3B085C9AB24}">
+                <p16:designElem xmlns:p16="http://schemas.microsoft.com/office/powerpoint/2015/main" val="1"/>
+              </p:ext>
+            </p:extLst>
+          </p:nvPr>
+        </p:nvSpPr>
+        <p:spPr>
+          <a:xfrm>
+            <a:off x="4241830" y="457200"/>
+            <a:ext cx="3703320" cy="91440"/>
+          </a:xfrm>
+          <a:prstGeom prst="rect">
+            <a:avLst/>
+          </a:prstGeom>
+          <a:solidFill>
+            <a:schemeClr val="accent2"/>
+          </a:solidFill>
+          <a:ln>
+            <a:noFill/>
+          </a:ln>
+          <a:effectLst/>
+        </p:spPr>
+        <p:style>
+          <a:lnRef idx="1">
+            <a:schemeClr val="accent1"/>
+          </a:lnRef>
+          <a:fillRef idx="3">
+            <a:schemeClr val="accent1"/>
+          </a:fillRef>
+          <a:effectRef idx="2">
+            <a:schemeClr val="accent1"/>
+          </a:effectRef>
+          <a:fontRef idx="minor">
+            <a:schemeClr val="lt1"/>
+          </a:fontRef>
+        </p:style>
+        <p:txBody>
+          <a:bodyPr/>
+          <a:lstStyle/>
+          <a:p>
+            <a:endParaRPr lang="en-KE"/>
+          </a:p>
+        </p:txBody>
+      </p:sp>
+      <p:sp>
+        <p:nvSpPr>
+          <p:cNvPr id="24" name="Rectangle 23">
+            <a:extLst>
+              <a:ext uri="{FF2B5EF4-FFF2-40B4-BE49-F238E27FC236}">
+                <a16:creationId xmlns:a16="http://schemas.microsoft.com/office/drawing/2014/main" id="{EC75C176-BB0F-4087-B339-FC37356C0B34}"/>
+              </a:ext>
+              <a:ext uri="{C183D7F6-B498-43B3-948B-1728B52AA6E4}">
+                <adec:decorative xmlns:adec="http://schemas.microsoft.com/office/drawing/2017/decorative" val="1"/>
+              </a:ext>
+            </a:extLst>
+          </p:cNvPr>
+          <p:cNvSpPr>
+            <a:spLocks noGrp="1" noRot="1" noChangeAspect="1" noMove="1" noResize="1" noEditPoints="1" noAdjustHandles="1" noChangeArrowheads="1" noChangeShapeType="1" noTextEdit="1"/>
+          </p:cNvSpPr>
+          <p:nvPr>
+            <p:extLst>
+              <p:ext uri="{386F3935-93C4-4BCD-93E2-E3B085C9AB24}">
+                <p16:designElem xmlns:p16="http://schemas.microsoft.com/office/powerpoint/2015/main" val="1"/>
+              </p:ext>
+            </p:extLst>
+          </p:nvPr>
+        </p:nvSpPr>
+        <p:spPr>
+          <a:xfrm>
+            <a:off x="8042147" y="453643"/>
+            <a:ext cx="3703320" cy="98554"/>
+          </a:xfrm>
+          <a:prstGeom prst="rect">
+            <a:avLst/>
+          </a:prstGeom>
+          <a:solidFill>
+            <a:schemeClr val="accent4"/>
+          </a:solidFill>
+          <a:ln>
+            <a:noFill/>
+          </a:ln>
+          <a:effectLst/>
+        </p:spPr>
+        <p:style>
+          <a:lnRef idx="1">
+            <a:schemeClr val="accent1"/>
+          </a:lnRef>
+          <a:fillRef idx="3">
+            <a:schemeClr val="accent1"/>
+          </a:fillRef>
+          <a:effectRef idx="2">
+            <a:schemeClr val="accent1"/>
+          </a:effectRef>
+          <a:fontRef idx="minor">
+            <a:schemeClr val="lt1"/>
+          </a:fontRef>
+        </p:style>
+        <p:txBody>
+          <a:bodyPr/>
+          <a:lstStyle/>
+          <a:p>
+            <a:endParaRPr lang="en-KE"/>
+          </a:p>
+        </p:txBody>
+      </p:sp>
+      <p:sp>
+        <p:nvSpPr>
+          <p:cNvPr id="26" name="Rectangle 25">
+            <a:extLst>
+              <a:ext uri="{FF2B5EF4-FFF2-40B4-BE49-F238E27FC236}">
+                <a16:creationId xmlns:a16="http://schemas.microsoft.com/office/drawing/2014/main" id="{E64BD7DF-F4BB-427F-B4F6-6DC83A59AA0F}"/>
+              </a:ext>
+              <a:ext uri="{C183D7F6-B498-43B3-948B-1728B52AA6E4}">
+                <adec:decorative xmlns:adec="http://schemas.microsoft.com/office/drawing/2017/decorative" val="1"/>
+              </a:ext>
+            </a:extLst>
+          </p:cNvPr>
+          <p:cNvSpPr>
+            <a:spLocks noGrp="1" noRot="1" noChangeAspect="1" noMove="1" noResize="1" noEditPoints="1" noAdjustHandles="1" noChangeArrowheads="1" noChangeShapeType="1" noTextEdit="1"/>
+          </p:cNvSpPr>
+          <p:nvPr>
+            <p:extLst>
+              <p:ext uri="{386F3935-93C4-4BCD-93E2-E3B085C9AB24}">
+                <p16:designElem xmlns:p16="http://schemas.microsoft.com/office/powerpoint/2015/main" val="1"/>
+              </p:ext>
+            </p:extLst>
+          </p:nvPr>
+        </p:nvSpPr>
+        <p:spPr>
+          <a:xfrm>
+            <a:off x="448732" y="4428067"/>
+            <a:ext cx="11260667" cy="1962497"/>
+          </a:xfrm>
+          <a:prstGeom prst="rect">
+            <a:avLst/>
+          </a:prstGeom>
+          <a:solidFill>
+            <a:schemeClr val="accent1">
+              <a:alpha val="97000"/>
+            </a:schemeClr>
+          </a:solidFill>
+          <a:ln w="6350" cmpd="sng">
+            <a:noFill/>
+          </a:ln>
+          <a:effectLst/>
+        </p:spPr>
+        <p:style>
+          <a:lnRef idx="1">
+            <a:schemeClr val="accent1"/>
+          </a:lnRef>
+          <a:fillRef idx="3">
+            <a:schemeClr val="accent1"/>
+          </a:fillRef>
+          <a:effectRef idx="2">
+            <a:schemeClr val="accent1"/>
+          </a:effectRef>
+          <a:fontRef idx="minor">
+            <a:schemeClr val="lt1"/>
+          </a:fontRef>
+        </p:style>
+        <p:txBody>
+          <a:bodyPr/>
+          <a:lstStyle/>
+          <a:p>
+            <a:endParaRPr lang="en-KE"/>
+          </a:p>
+        </p:txBody>
+      </p:sp>
       <p:sp>
         <p:nvSpPr>
           <p:cNvPr id="2" name="Title 1">
@@ -3845,13 +4224,24 @@
             <p:ph type="ctrTitle"/>
           </p:nvPr>
         </p:nvSpPr>
-        <p:spPr/>
-        <p:txBody>
-          <a:bodyPr/>
+        <p:spPr>
+          <a:xfrm>
+            <a:off x="609599" y="4572000"/>
+            <a:ext cx="10965141" cy="895244"/>
+          </a:xfrm>
+        </p:spPr>
+        <p:txBody>
+          <a:bodyPr>
+            <a:normAutofit/>
+          </a:bodyPr>
           <a:lstStyle/>
           <a:p>
             <a:r>
-              <a:rPr lang="en-US" dirty="0"/>
+              <a:rPr lang="en-US" sz="4000">
+                <a:solidFill>
+                  <a:srgbClr val="FFFFFF"/>
+                </a:solidFill>
+              </a:rPr>
               <a:t>TWITTER SENTIMENTS ANALYSIS</a:t>
             </a:r>
           </a:p>
@@ -3873,13 +4263,24 @@
             <p:ph type="subTitle" idx="1"/>
           </p:nvPr>
         </p:nvSpPr>
-        <p:spPr/>
-        <p:txBody>
-          <a:bodyPr/>
+        <p:spPr>
+          <a:xfrm>
+            <a:off x="609598" y="5467246"/>
+            <a:ext cx="10965142" cy="484822"/>
+          </a:xfrm>
+        </p:spPr>
+        <p:txBody>
+          <a:bodyPr>
+            <a:normAutofit/>
+          </a:bodyPr>
           <a:lstStyle/>
           <a:p>
             <a:r>
-              <a:rPr lang="en-US" dirty="0"/>
+              <a:rPr lang="en-US">
+                <a:solidFill>
+                  <a:srgbClr val="EBEBEB"/>
+                </a:solidFill>
+              </a:rPr>
               <a:t>By GROUP 2.</a:t>
             </a:r>
           </a:p>
@@ -3901,6 +4302,14 @@
 <file path=ppt/slides/slide10.xml><?xml version="1.0" encoding="utf-8"?>
 <p:sld xmlns:a="http://schemas.openxmlformats.org/drawingml/2006/main" xmlns:r="http://schemas.openxmlformats.org/officeDocument/2006/relationships" xmlns:p="http://schemas.openxmlformats.org/presentationml/2006/main">
   <p:cSld>
+    <p:bg>
+      <p:bgPr>
+        <a:solidFill>
+          <a:schemeClr val="bg1"/>
+        </a:solidFill>
+        <a:effectLst/>
+      </p:bgPr>
+    </p:bg>
     <p:spTree>
       <p:nvGrpSpPr>
         <p:cNvPr id="1" name=""/>
@@ -3917,6 +4326,493 @@
       </p:grpSpPr>
       <p:sp>
         <p:nvSpPr>
+          <p:cNvPr id="9" name="Rectangle 8">
+            <a:extLst>
+              <a:ext uri="{FF2B5EF4-FFF2-40B4-BE49-F238E27FC236}">
+                <a16:creationId xmlns:a16="http://schemas.microsoft.com/office/drawing/2014/main" id="{2928117C-9446-4E7F-AE62-95E0F6DB5B27}"/>
+              </a:ext>
+              <a:ext uri="{C183D7F6-B498-43B3-948B-1728B52AA6E4}">
+                <adec:decorative xmlns:adec="http://schemas.microsoft.com/office/drawing/2017/decorative" val="1"/>
+              </a:ext>
+            </a:extLst>
+          </p:cNvPr>
+          <p:cNvSpPr>
+            <a:spLocks noGrp="1" noRot="1" noChangeAspect="1" noMove="1" noResize="1" noEditPoints="1" noAdjustHandles="1" noChangeArrowheads="1" noChangeShapeType="1" noTextEdit="1"/>
+          </p:cNvSpPr>
+          <p:nvPr>
+            <p:extLst>
+              <p:ext uri="{386F3935-93C4-4BCD-93E2-E3B085C9AB24}">
+                <p16:designElem xmlns:p16="http://schemas.microsoft.com/office/powerpoint/2015/main" val="1"/>
+              </p:ext>
+            </p:extLst>
+          </p:nvPr>
+        </p:nvSpPr>
+        <p:spPr>
+          <a:xfrm>
+            <a:off x="446534" y="457200"/>
+            <a:ext cx="3703320" cy="94997"/>
+          </a:xfrm>
+          <a:prstGeom prst="rect">
+            <a:avLst/>
+          </a:prstGeom>
+          <a:solidFill>
+            <a:schemeClr val="accent1"/>
+          </a:solidFill>
+          <a:ln>
+            <a:noFill/>
+          </a:ln>
+          <a:effectLst/>
+        </p:spPr>
+        <p:style>
+          <a:lnRef idx="1">
+            <a:schemeClr val="accent1"/>
+          </a:lnRef>
+          <a:fillRef idx="3">
+            <a:schemeClr val="accent1"/>
+          </a:fillRef>
+          <a:effectRef idx="2">
+            <a:schemeClr val="accent1"/>
+          </a:effectRef>
+          <a:fontRef idx="minor">
+            <a:schemeClr val="lt1"/>
+          </a:fontRef>
+        </p:style>
+        <p:txBody>
+          <a:bodyPr/>
+          <a:lstStyle/>
+          <a:p>
+            <a:endParaRPr lang="en-KE"/>
+          </a:p>
+        </p:txBody>
+      </p:sp>
+      <p:sp>
+        <p:nvSpPr>
+          <p:cNvPr id="11" name="Rectangle 10">
+            <a:extLst>
+              <a:ext uri="{FF2B5EF4-FFF2-40B4-BE49-F238E27FC236}">
+                <a16:creationId xmlns:a16="http://schemas.microsoft.com/office/drawing/2014/main" id="{84D30AFB-4D71-48B0-AA00-28EE92363A5F}"/>
+              </a:ext>
+              <a:ext uri="{C183D7F6-B498-43B3-948B-1728B52AA6E4}">
+                <adec:decorative xmlns:adec="http://schemas.microsoft.com/office/drawing/2017/decorative" val="1"/>
+              </a:ext>
+            </a:extLst>
+          </p:cNvPr>
+          <p:cNvSpPr>
+            <a:spLocks noGrp="1" noRot="1" noChangeAspect="1" noMove="1" noResize="1" noEditPoints="1" noAdjustHandles="1" noChangeArrowheads="1" noChangeShapeType="1" noTextEdit="1"/>
+          </p:cNvSpPr>
+          <p:nvPr>
+            <p:extLst>
+              <p:ext uri="{386F3935-93C4-4BCD-93E2-E3B085C9AB24}">
+                <p16:designElem xmlns:p16="http://schemas.microsoft.com/office/powerpoint/2015/main" val="1"/>
+              </p:ext>
+            </p:extLst>
+          </p:nvPr>
+        </p:nvSpPr>
+        <p:spPr>
+          <a:xfrm>
+            <a:off x="8042147" y="453643"/>
+            <a:ext cx="3703320" cy="98554"/>
+          </a:xfrm>
+          <a:prstGeom prst="rect">
+            <a:avLst/>
+          </a:prstGeom>
+          <a:solidFill>
+            <a:schemeClr val="accent4"/>
+          </a:solidFill>
+          <a:ln>
+            <a:noFill/>
+          </a:ln>
+          <a:effectLst/>
+        </p:spPr>
+        <p:style>
+          <a:lnRef idx="1">
+            <a:schemeClr val="accent1"/>
+          </a:lnRef>
+          <a:fillRef idx="3">
+            <a:schemeClr val="accent1"/>
+          </a:fillRef>
+          <a:effectRef idx="2">
+            <a:schemeClr val="accent1"/>
+          </a:effectRef>
+          <a:fontRef idx="minor">
+            <a:schemeClr val="lt1"/>
+          </a:fontRef>
+        </p:style>
+        <p:txBody>
+          <a:bodyPr/>
+          <a:lstStyle/>
+          <a:p>
+            <a:endParaRPr lang="en-KE"/>
+          </a:p>
+        </p:txBody>
+      </p:sp>
+      <p:sp>
+        <p:nvSpPr>
+          <p:cNvPr id="13" name="Rectangle 12">
+            <a:extLst>
+              <a:ext uri="{FF2B5EF4-FFF2-40B4-BE49-F238E27FC236}">
+                <a16:creationId xmlns:a16="http://schemas.microsoft.com/office/drawing/2014/main" id="{96A0B76F-8010-4C62-B4B6-C5FC438C059E}"/>
+              </a:ext>
+              <a:ext uri="{C183D7F6-B498-43B3-948B-1728B52AA6E4}">
+                <adec:decorative xmlns:adec="http://schemas.microsoft.com/office/drawing/2017/decorative" val="1"/>
+              </a:ext>
+            </a:extLst>
+          </p:cNvPr>
+          <p:cNvSpPr>
+            <a:spLocks noGrp="1" noRot="1" noChangeAspect="1" noMove="1" noResize="1" noEditPoints="1" noAdjustHandles="1" noChangeArrowheads="1" noChangeShapeType="1" noTextEdit="1"/>
+          </p:cNvSpPr>
+          <p:nvPr>
+            <p:extLst>
+              <p:ext uri="{386F3935-93C4-4BCD-93E2-E3B085C9AB24}">
+                <p16:designElem xmlns:p16="http://schemas.microsoft.com/office/powerpoint/2015/main" val="1"/>
+              </p:ext>
+            </p:extLst>
+          </p:nvPr>
+        </p:nvSpPr>
+        <p:spPr>
+          <a:xfrm>
+            <a:off x="4241830" y="457200"/>
+            <a:ext cx="3703320" cy="91440"/>
+          </a:xfrm>
+          <a:prstGeom prst="rect">
+            <a:avLst/>
+          </a:prstGeom>
+          <a:solidFill>
+            <a:schemeClr val="accent2"/>
+          </a:solidFill>
+          <a:ln>
+            <a:noFill/>
+          </a:ln>
+          <a:effectLst/>
+        </p:spPr>
+        <p:style>
+          <a:lnRef idx="1">
+            <a:schemeClr val="accent1"/>
+          </a:lnRef>
+          <a:fillRef idx="3">
+            <a:schemeClr val="accent1"/>
+          </a:fillRef>
+          <a:effectRef idx="2">
+            <a:schemeClr val="accent1"/>
+          </a:effectRef>
+          <a:fontRef idx="minor">
+            <a:schemeClr val="lt1"/>
+          </a:fontRef>
+        </p:style>
+        <p:txBody>
+          <a:bodyPr/>
+          <a:lstStyle/>
+          <a:p>
+            <a:endParaRPr lang="en-KE"/>
+          </a:p>
+        </p:txBody>
+      </p:sp>
+      <p:sp>
+        <p:nvSpPr>
+          <p:cNvPr id="15" name="Rectangle 14">
+            <a:extLst>
+              <a:ext uri="{FF2B5EF4-FFF2-40B4-BE49-F238E27FC236}">
+                <a16:creationId xmlns:a16="http://schemas.microsoft.com/office/drawing/2014/main" id="{9FC936C0-4624-438D-BDD0-6B296BD6409D}"/>
+              </a:ext>
+              <a:ext uri="{C183D7F6-B498-43B3-948B-1728B52AA6E4}">
+                <adec:decorative xmlns:adec="http://schemas.microsoft.com/office/drawing/2017/decorative" val="1"/>
+              </a:ext>
+            </a:extLst>
+          </p:cNvPr>
+          <p:cNvSpPr>
+            <a:spLocks noGrp="1" noRot="1" noChangeAspect="1" noMove="1" noResize="1" noEditPoints="1" noAdjustHandles="1" noChangeArrowheads="1" noChangeShapeType="1" noTextEdit="1"/>
+          </p:cNvSpPr>
+          <p:nvPr>
+            <p:extLst>
+              <p:ext uri="{386F3935-93C4-4BCD-93E2-E3B085C9AB24}">
+                <p16:designElem xmlns:p16="http://schemas.microsoft.com/office/powerpoint/2015/main" val="1"/>
+              </p:ext>
+            </p:extLst>
+          </p:nvPr>
+        </p:nvSpPr>
+        <p:spPr>
+          <a:xfrm>
+            <a:off x="446534" y="3085765"/>
+            <a:ext cx="11262866" cy="3304800"/>
+          </a:xfrm>
+          <a:prstGeom prst="rect">
+            <a:avLst/>
+          </a:prstGeom>
+          <a:solidFill>
+            <a:schemeClr val="accent1"/>
+          </a:solidFill>
+          <a:ln>
+            <a:noFill/>
+          </a:ln>
+          <a:effectLst/>
+        </p:spPr>
+        <p:style>
+          <a:lnRef idx="1">
+            <a:schemeClr val="accent1"/>
+          </a:lnRef>
+          <a:fillRef idx="3">
+            <a:schemeClr val="accent1"/>
+          </a:fillRef>
+          <a:effectRef idx="2">
+            <a:schemeClr val="accent1"/>
+          </a:effectRef>
+          <a:fontRef idx="minor">
+            <a:schemeClr val="lt1"/>
+          </a:fontRef>
+        </p:style>
+        <p:txBody>
+          <a:bodyPr/>
+          <a:lstStyle/>
+          <a:p>
+            <a:endParaRPr lang="en-KE"/>
+          </a:p>
+        </p:txBody>
+      </p:sp>
+      <p:sp useBgFill="1">
+        <p:nvSpPr>
+          <p:cNvPr id="17" name="Rectangle 16">
+            <a:extLst>
+              <a:ext uri="{FF2B5EF4-FFF2-40B4-BE49-F238E27FC236}">
+                <a16:creationId xmlns:a16="http://schemas.microsoft.com/office/drawing/2014/main" id="{4B526CBF-0AA4-49A9-B305-EE0AF3AF6D3C}"/>
+              </a:ext>
+              <a:ext uri="{C183D7F6-B498-43B3-948B-1728B52AA6E4}">
+                <adec:decorative xmlns:adec="http://schemas.microsoft.com/office/drawing/2017/decorative" val="1"/>
+              </a:ext>
+            </a:extLst>
+          </p:cNvPr>
+          <p:cNvSpPr>
+            <a:spLocks noGrp="1" noRot="1" noChangeAspect="1" noMove="1" noResize="1" noEditPoints="1" noAdjustHandles="1" noChangeArrowheads="1" noChangeShapeType="1" noTextEdit="1"/>
+          </p:cNvSpPr>
+          <p:nvPr>
+            <p:extLst>
+              <p:ext uri="{386F3935-93C4-4BCD-93E2-E3B085C9AB24}">
+                <p16:designElem xmlns:p16="http://schemas.microsoft.com/office/powerpoint/2015/main" val="1"/>
+              </p:ext>
+            </p:extLst>
+          </p:nvPr>
+        </p:nvSpPr>
+        <p:spPr>
+          <a:xfrm>
+            <a:off x="0" y="0"/>
+            <a:ext cx="12192000" cy="6858000"/>
+          </a:xfrm>
+          <a:prstGeom prst="rect">
+            <a:avLst/>
+          </a:prstGeom>
+          <a:ln>
+            <a:noFill/>
+          </a:ln>
+        </p:spPr>
+        <p:style>
+          <a:lnRef idx="2">
+            <a:schemeClr val="accent1">
+              <a:shade val="50000"/>
+            </a:schemeClr>
+          </a:lnRef>
+          <a:fillRef idx="1">
+            <a:schemeClr val="accent1"/>
+          </a:fillRef>
+          <a:effectRef idx="0">
+            <a:schemeClr val="accent1"/>
+          </a:effectRef>
+          <a:fontRef idx="minor">
+            <a:schemeClr val="lt1"/>
+          </a:fontRef>
+        </p:style>
+        <p:txBody>
+          <a:bodyPr rtlCol="0" anchor="ctr"/>
+          <a:lstStyle/>
+          <a:p>
+            <a:pPr algn="ctr"/>
+            <a:endParaRPr lang="en-US"/>
+          </a:p>
+        </p:txBody>
+      </p:sp>
+      <p:pic>
+        <p:nvPicPr>
+          <p:cNvPr id="5" name="Picture 4" descr="Different colored question marks">
+            <a:extLst>
+              <a:ext uri="{FF2B5EF4-FFF2-40B4-BE49-F238E27FC236}">
+                <a16:creationId xmlns:a16="http://schemas.microsoft.com/office/drawing/2014/main" id="{5E90DCDD-FF7B-5E5A-9D80-FC5D27489870}"/>
+              </a:ext>
+            </a:extLst>
+          </p:cNvPr>
+          <p:cNvPicPr>
+            <a:picLocks noChangeAspect="1"/>
+          </p:cNvPicPr>
+          <p:nvPr/>
+        </p:nvPicPr>
+        <p:blipFill>
+          <a:blip r:embed="rId2"/>
+          <a:srcRect/>
+          <a:stretch>
+            <a:fillRect/>
+          </a:stretch>
+        </p:blipFill>
+        <p:spPr>
+          <a:xfrm>
+            <a:off x="20" y="10"/>
+            <a:ext cx="12191980" cy="6857990"/>
+          </a:xfrm>
+          <a:prstGeom prst="rect">
+            <a:avLst/>
+          </a:prstGeom>
+        </p:spPr>
+      </p:pic>
+      <p:grpSp>
+        <p:nvGrpSpPr>
+          <p:cNvPr id="19" name="Group 18">
+            <a:extLst>
+              <a:ext uri="{FF2B5EF4-FFF2-40B4-BE49-F238E27FC236}">
+                <a16:creationId xmlns:a16="http://schemas.microsoft.com/office/drawing/2014/main" id="{CC8B5139-02E6-4DEA-9CCE-962CAF0AFBA0}"/>
+              </a:ext>
+              <a:ext uri="{C183D7F6-B498-43B3-948B-1728B52AA6E4}">
+                <adec:decorative xmlns:adec="http://schemas.microsoft.com/office/drawing/2017/decorative" val="1"/>
+              </a:ext>
+            </a:extLst>
+          </p:cNvPr>
+          <p:cNvGrpSpPr>
+            <a:grpSpLocks noGrp="1" noUngrp="1" noRot="1" noChangeAspect="1" noMove="1" noResize="1"/>
+          </p:cNvGrpSpPr>
+          <p:nvPr>
+            <p:extLst>
+              <p:ext uri="{386F3935-93C4-4BCD-93E2-E3B085C9AB24}">
+                <p16:designElem xmlns:p16="http://schemas.microsoft.com/office/powerpoint/2015/main" val="1"/>
+              </p:ext>
+            </p:extLst>
+          </p:nvPr>
+        </p:nvGrpSpPr>
+        <p:grpSpPr>
+          <a:xfrm>
+            <a:off x="438068" y="457200"/>
+            <a:ext cx="3703320" cy="5935132"/>
+            <a:chOff x="438068" y="457200"/>
+            <a:chExt cx="3703320" cy="5935132"/>
+          </a:xfrm>
+        </p:grpSpPr>
+        <p:sp>
+          <p:nvSpPr>
+            <p:cNvPr id="20" name="Rectangle 19">
+              <a:extLst>
+                <a:ext uri="{FF2B5EF4-FFF2-40B4-BE49-F238E27FC236}">
+                  <a16:creationId xmlns:a16="http://schemas.microsoft.com/office/drawing/2014/main" id="{C0470BC0-AB0D-4A03-B4F1-5DDA9A31C11F}"/>
+                </a:ext>
+                <a:ext uri="{C183D7F6-B498-43B3-948B-1728B52AA6E4}">
+                  <adec:decorative xmlns:adec="http://schemas.microsoft.com/office/drawing/2017/decorative" val="1"/>
+                </a:ext>
+              </a:extLst>
+            </p:cNvPr>
+            <p:cNvSpPr/>
+            <p:nvPr>
+              <p:extLst>
+                <p:ext uri="{386F3935-93C4-4BCD-93E2-E3B085C9AB24}">
+                  <p16:designElem xmlns:p16="http://schemas.microsoft.com/office/powerpoint/2015/main" val="1"/>
+                </p:ext>
+              </p:extLst>
+            </p:nvPr>
+          </p:nvSpPr>
+          <p:spPr>
+            <a:xfrm>
+              <a:off x="438068" y="618067"/>
+              <a:ext cx="3702134" cy="5774265"/>
+            </a:xfrm>
+            <a:prstGeom prst="rect">
+              <a:avLst/>
+            </a:prstGeom>
+            <a:solidFill>
+              <a:schemeClr val="accent1">
+                <a:alpha val="97000"/>
+              </a:schemeClr>
+            </a:solidFill>
+            <a:ln w="6350" cmpd="sng">
+              <a:noFill/>
+            </a:ln>
+            <a:effectLst/>
+          </p:spPr>
+          <p:style>
+            <a:lnRef idx="1">
+              <a:schemeClr val="accent1"/>
+            </a:lnRef>
+            <a:fillRef idx="3">
+              <a:schemeClr val="accent1"/>
+            </a:fillRef>
+            <a:effectRef idx="2">
+              <a:schemeClr val="accent1"/>
+            </a:effectRef>
+            <a:fontRef idx="minor">
+              <a:schemeClr val="lt1"/>
+            </a:fontRef>
+          </p:style>
+          <p:txBody>
+            <a:bodyPr/>
+            <a:lstStyle/>
+            <a:p>
+              <a:endParaRPr lang="en-KE"/>
+            </a:p>
+          </p:txBody>
+        </p:sp>
+        <p:sp>
+          <p:nvSpPr>
+            <p:cNvPr id="21" name="Rectangle 20">
+              <a:extLst>
+                <a:ext uri="{FF2B5EF4-FFF2-40B4-BE49-F238E27FC236}">
+                  <a16:creationId xmlns:a16="http://schemas.microsoft.com/office/drawing/2014/main" id="{724A08B2-EC2C-4641-81BE-FE8B068BE15F}"/>
+                </a:ext>
+                <a:ext uri="{C183D7F6-B498-43B3-948B-1728B52AA6E4}">
+                  <adec:decorative xmlns:adec="http://schemas.microsoft.com/office/drawing/2017/decorative" val="1"/>
+                </a:ext>
+              </a:extLst>
+            </p:cNvPr>
+            <p:cNvSpPr/>
+            <p:nvPr>
+              <p:extLst>
+                <p:ext uri="{386F3935-93C4-4BCD-93E2-E3B085C9AB24}">
+                  <p16:designElem xmlns:p16="http://schemas.microsoft.com/office/powerpoint/2015/main" val="1"/>
+                </p:ext>
+              </p:extLst>
+            </p:nvPr>
+          </p:nvSpPr>
+          <p:spPr>
+            <a:xfrm>
+              <a:off x="438068" y="457200"/>
+              <a:ext cx="3703320" cy="94997"/>
+            </a:xfrm>
+            <a:prstGeom prst="rect">
+              <a:avLst/>
+            </a:prstGeom>
+            <a:solidFill>
+              <a:schemeClr val="accent1"/>
+            </a:solidFill>
+            <a:ln>
+              <a:noFill/>
+            </a:ln>
+            <a:effectLst/>
+          </p:spPr>
+          <p:style>
+            <a:lnRef idx="1">
+              <a:schemeClr val="accent1"/>
+            </a:lnRef>
+            <a:fillRef idx="3">
+              <a:schemeClr val="accent1"/>
+            </a:fillRef>
+            <a:effectRef idx="2">
+              <a:schemeClr val="accent1"/>
+            </a:effectRef>
+            <a:fontRef idx="minor">
+              <a:schemeClr val="lt1"/>
+            </a:fontRef>
+          </p:style>
+          <p:txBody>
+            <a:bodyPr/>
+            <a:lstStyle/>
+            <a:p>
+              <a:endParaRPr lang="en-KE"/>
+            </a:p>
+          </p:txBody>
+        </p:sp>
+      </p:grpSp>
+      <p:sp>
+        <p:nvSpPr>
           <p:cNvPr id="2" name="Title 1">
             <a:extLst>
               <a:ext uri="{FF2B5EF4-FFF2-40B4-BE49-F238E27FC236}">
@@ -3931,20 +4827,39 @@
             <p:ph type="title"/>
           </p:nvPr>
         </p:nvSpPr>
-        <p:spPr/>
-        <p:txBody>
-          <a:bodyPr/>
+        <p:spPr>
+          <a:xfrm>
+            <a:off x="584200" y="2142067"/>
+            <a:ext cx="3412067" cy="2971801"/>
+          </a:xfrm>
+        </p:spPr>
+        <p:txBody>
+          <a:bodyPr vert="horz" lIns="91440" tIns="45720" rIns="91440" bIns="45720" rtlCol="0" anchor="b">
+            <a:normAutofit/>
+          </a:bodyPr>
           <a:lstStyle/>
           <a:p>
             <a:r>
-              <a:rPr lang="en-US" dirty="0"/>
+              <a:rPr lang="en-US">
+                <a:solidFill>
+                  <a:srgbClr val="FFFFFF"/>
+                </a:solidFill>
+              </a:rPr>
               <a:t>THANK YOU </a:t>
             </a:r>
             <a:br>
-              <a:rPr lang="en-US" dirty="0"/>
+              <a:rPr lang="en-US">
+                <a:solidFill>
+                  <a:srgbClr val="FFFFFF"/>
+                </a:solidFill>
+              </a:rPr>
             </a:br>
             <a:r>
-              <a:rPr lang="en-US" dirty="0"/>
+              <a:rPr lang="en-US">
+                <a:solidFill>
+                  <a:srgbClr val="FFFFFF"/>
+                </a:solidFill>
+              </a:rPr>
               <a:t>ANY QUESTIONS?</a:t>
             </a:r>
           </a:p>
@@ -3966,13 +4881,24 @@
             <p:ph type="body" idx="1"/>
           </p:nvPr>
         </p:nvSpPr>
-        <p:spPr/>
-        <p:txBody>
-          <a:bodyPr/>
+        <p:spPr>
+          <a:xfrm>
+            <a:off x="584200" y="5145513"/>
+            <a:ext cx="3412067" cy="738820"/>
+          </a:xfrm>
+        </p:spPr>
+        <p:txBody>
+          <a:bodyPr vert="horz" lIns="91440" tIns="45720" rIns="91440" bIns="45720" rtlCol="0" anchor="t">
+            <a:normAutofit/>
+          </a:bodyPr>
           <a:lstStyle/>
           <a:p>
             <a:r>
-              <a:rPr lang="en-US" dirty="0"/>
+              <a:rPr lang="en-US" sz="1600">
+                <a:solidFill>
+                  <a:srgbClr val="EBEBEB"/>
+                </a:solidFill>
+              </a:rPr>
               <a:t>GROUP 2.</a:t>
             </a:r>
           </a:p>
@@ -3994,6 +4920,14 @@
 <file path=ppt/slides/slide2.xml><?xml version="1.0" encoding="utf-8"?>
 <p:sld xmlns:a="http://schemas.openxmlformats.org/drawingml/2006/main" xmlns:r="http://schemas.openxmlformats.org/officeDocument/2006/relationships" xmlns:p="http://schemas.openxmlformats.org/presentationml/2006/main">
   <p:cSld>
+    <p:bg>
+      <p:bgPr>
+        <a:solidFill>
+          <a:schemeClr val="bg1"/>
+        </a:solidFill>
+        <a:effectLst/>
+      </p:bgPr>
+    </p:bg>
     <p:spTree>
       <p:nvGrpSpPr>
         <p:cNvPr id="1" name=""/>
@@ -4008,6 +4942,66 @@
           <a:chExt cx="0" cy="0"/>
         </a:xfrm>
       </p:grpSpPr>
+      <p:sp useBgFill="1">
+        <p:nvSpPr>
+          <p:cNvPr id="34" name="Rectangle 33">
+            <a:extLst>
+              <a:ext uri="{FF2B5EF4-FFF2-40B4-BE49-F238E27FC236}">
+                <a16:creationId xmlns:a16="http://schemas.microsoft.com/office/drawing/2014/main" id="{B719D01B-E306-486F-A44A-E1BEE6B8C63A}"/>
+              </a:ext>
+              <a:ext uri="{C183D7F6-B498-43B3-948B-1728B52AA6E4}">
+                <adec:decorative xmlns:adec="http://schemas.microsoft.com/office/drawing/2017/decorative" val="1"/>
+              </a:ext>
+            </a:extLst>
+          </p:cNvPr>
+          <p:cNvSpPr>
+            <a:spLocks noGrp="1" noRot="1" noChangeAspect="1" noMove="1" noResize="1" noEditPoints="1" noAdjustHandles="1" noChangeArrowheads="1" noChangeShapeType="1" noTextEdit="1"/>
+          </p:cNvSpPr>
+          <p:nvPr>
+            <p:extLst>
+              <p:ext uri="{386F3935-93C4-4BCD-93E2-E3B085C9AB24}">
+                <p16:designElem xmlns:p16="http://schemas.microsoft.com/office/powerpoint/2015/main" val="1"/>
+              </p:ext>
+            </p:extLst>
+          </p:nvPr>
+        </p:nvSpPr>
+        <p:spPr>
+          <a:xfrm>
+            <a:off x="0" y="0"/>
+            <a:ext cx="12192000" cy="6858000"/>
+          </a:xfrm>
+          <a:prstGeom prst="rect">
+            <a:avLst/>
+          </a:prstGeom>
+          <a:ln>
+            <a:noFill/>
+          </a:ln>
+        </p:spPr>
+        <p:style>
+          <a:lnRef idx="2">
+            <a:schemeClr val="accent1">
+              <a:shade val="50000"/>
+            </a:schemeClr>
+          </a:lnRef>
+          <a:fillRef idx="1">
+            <a:schemeClr val="accent1"/>
+          </a:fillRef>
+          <a:effectRef idx="0">
+            <a:schemeClr val="accent1"/>
+          </a:effectRef>
+          <a:fontRef idx="minor">
+            <a:schemeClr val="lt1"/>
+          </a:fontRef>
+        </p:style>
+        <p:txBody>
+          <a:bodyPr rtlCol="0" anchor="ctr"/>
+          <a:lstStyle/>
+          <a:p>
+            <a:pPr algn="ctr"/>
+            <a:endParaRPr lang="en-US"/>
+          </a:p>
+        </p:txBody>
+      </p:sp>
       <p:sp>
         <p:nvSpPr>
           <p:cNvPr id="2" name="Title 1">
@@ -4024,18 +5018,269 @@
             <p:ph type="title"/>
           </p:nvPr>
         </p:nvSpPr>
-        <p:spPr/>
-        <p:txBody>
-          <a:bodyPr/>
+        <p:spPr>
+          <a:xfrm>
+            <a:off x="4382724" y="702156"/>
+            <a:ext cx="7225075" cy="1013800"/>
+          </a:xfrm>
+        </p:spPr>
+        <p:txBody>
+          <a:bodyPr>
+            <a:normAutofit/>
+          </a:bodyPr>
           <a:lstStyle/>
           <a:p>
             <a:r>
-              <a:rPr lang="en-US" dirty="0"/>
+              <a:rPr lang="en-US">
+                <a:solidFill>
+                  <a:schemeClr val="accent1"/>
+                </a:solidFill>
+              </a:rPr>
               <a:t>PROJECT DESCRIPTION; PROBLEM STATEMENT</a:t>
             </a:r>
           </a:p>
         </p:txBody>
       </p:sp>
+      <p:grpSp>
+        <p:nvGrpSpPr>
+          <p:cNvPr id="36" name="Group 35">
+            <a:extLst>
+              <a:ext uri="{FF2B5EF4-FFF2-40B4-BE49-F238E27FC236}">
+                <a16:creationId xmlns:a16="http://schemas.microsoft.com/office/drawing/2014/main" id="{E3ECE2A1-BE02-45E8-80D2-40668675E1BF}"/>
+              </a:ext>
+              <a:ext uri="{C183D7F6-B498-43B3-948B-1728B52AA6E4}">
+                <adec:decorative xmlns:adec="http://schemas.microsoft.com/office/drawing/2017/decorative" val="1"/>
+              </a:ext>
+            </a:extLst>
+          </p:cNvPr>
+          <p:cNvGrpSpPr>
+            <a:grpSpLocks noGrp="1" noUngrp="1" noRot="1" noChangeAspect="1" noMove="1" noResize="1"/>
+          </p:cNvGrpSpPr>
+          <p:nvPr>
+            <p:extLst>
+              <p:ext uri="{386F3935-93C4-4BCD-93E2-E3B085C9AB24}">
+                <p16:designElem xmlns:p16="http://schemas.microsoft.com/office/powerpoint/2015/main" val="1"/>
+              </p:ext>
+            </p:extLst>
+          </p:nvPr>
+        </p:nvGrpSpPr>
+        <p:grpSpPr>
+          <a:xfrm>
+            <a:off x="446534" y="453643"/>
+            <a:ext cx="11298933" cy="98554"/>
+            <a:chOff x="446534" y="453643"/>
+            <a:chExt cx="11298933" cy="98554"/>
+          </a:xfrm>
+        </p:grpSpPr>
+        <p:sp>
+          <p:nvSpPr>
+            <p:cNvPr id="37" name="Rectangle 36">
+              <a:extLst>
+                <a:ext uri="{FF2B5EF4-FFF2-40B4-BE49-F238E27FC236}">
+                  <a16:creationId xmlns:a16="http://schemas.microsoft.com/office/drawing/2014/main" id="{75B00F21-D7A1-4DBD-B786-86D98FF33367}"/>
+                </a:ext>
+                <a:ext uri="{C183D7F6-B498-43B3-948B-1728B52AA6E4}">
+                  <adec:decorative xmlns:adec="http://schemas.microsoft.com/office/drawing/2017/decorative" val="1"/>
+                </a:ext>
+              </a:extLst>
+            </p:cNvPr>
+            <p:cNvSpPr/>
+            <p:nvPr>
+              <p:extLst>
+                <p:ext uri="{386F3935-93C4-4BCD-93E2-E3B085C9AB24}">
+                  <p16:designElem xmlns:p16="http://schemas.microsoft.com/office/powerpoint/2015/main" val="1"/>
+                </p:ext>
+              </p:extLst>
+            </p:nvPr>
+          </p:nvSpPr>
+          <p:spPr>
+            <a:xfrm>
+              <a:off x="446534" y="457200"/>
+              <a:ext cx="3703320" cy="94997"/>
+            </a:xfrm>
+            <a:prstGeom prst="rect">
+              <a:avLst/>
+            </a:prstGeom>
+            <a:solidFill>
+              <a:schemeClr val="accent1"/>
+            </a:solidFill>
+            <a:ln>
+              <a:noFill/>
+            </a:ln>
+            <a:effectLst/>
+          </p:spPr>
+          <p:style>
+            <a:lnRef idx="1">
+              <a:schemeClr val="accent1"/>
+            </a:lnRef>
+            <a:fillRef idx="3">
+              <a:schemeClr val="accent1"/>
+            </a:fillRef>
+            <a:effectRef idx="2">
+              <a:schemeClr val="accent1"/>
+            </a:effectRef>
+            <a:fontRef idx="minor">
+              <a:schemeClr val="lt1"/>
+            </a:fontRef>
+          </p:style>
+          <p:txBody>
+            <a:bodyPr/>
+            <a:lstStyle/>
+            <a:p>
+              <a:endParaRPr lang="en-KE"/>
+            </a:p>
+          </p:txBody>
+        </p:sp>
+        <p:sp>
+          <p:nvSpPr>
+            <p:cNvPr id="38" name="Rectangle 37">
+              <a:extLst>
+                <a:ext uri="{FF2B5EF4-FFF2-40B4-BE49-F238E27FC236}">
+                  <a16:creationId xmlns:a16="http://schemas.microsoft.com/office/drawing/2014/main" id="{75971E3D-EBA2-4F5A-BA90-F41CC7B48095}"/>
+                </a:ext>
+                <a:ext uri="{C183D7F6-B498-43B3-948B-1728B52AA6E4}">
+                  <adec:decorative xmlns:adec="http://schemas.microsoft.com/office/drawing/2017/decorative" val="1"/>
+                </a:ext>
+              </a:extLst>
+            </p:cNvPr>
+            <p:cNvSpPr/>
+            <p:nvPr>
+              <p:extLst>
+                <p:ext uri="{386F3935-93C4-4BCD-93E2-E3B085C9AB24}">
+                  <p16:designElem xmlns:p16="http://schemas.microsoft.com/office/powerpoint/2015/main" val="1"/>
+                </p:ext>
+              </p:extLst>
+            </p:nvPr>
+          </p:nvSpPr>
+          <p:spPr>
+            <a:xfrm>
+              <a:off x="8042147" y="453643"/>
+              <a:ext cx="3703320" cy="98554"/>
+            </a:xfrm>
+            <a:prstGeom prst="rect">
+              <a:avLst/>
+            </a:prstGeom>
+            <a:solidFill>
+              <a:schemeClr val="accent4"/>
+            </a:solidFill>
+            <a:ln>
+              <a:noFill/>
+            </a:ln>
+            <a:effectLst/>
+          </p:spPr>
+          <p:style>
+            <a:lnRef idx="1">
+              <a:schemeClr val="accent1"/>
+            </a:lnRef>
+            <a:fillRef idx="3">
+              <a:schemeClr val="accent1"/>
+            </a:fillRef>
+            <a:effectRef idx="2">
+              <a:schemeClr val="accent1"/>
+            </a:effectRef>
+            <a:fontRef idx="minor">
+              <a:schemeClr val="lt1"/>
+            </a:fontRef>
+          </p:style>
+          <p:txBody>
+            <a:bodyPr/>
+            <a:lstStyle/>
+            <a:p>
+              <a:endParaRPr lang="en-KE"/>
+            </a:p>
+          </p:txBody>
+        </p:sp>
+        <p:sp>
+          <p:nvSpPr>
+            <p:cNvPr id="39" name="Rectangle 38">
+              <a:extLst>
+                <a:ext uri="{FF2B5EF4-FFF2-40B4-BE49-F238E27FC236}">
+                  <a16:creationId xmlns:a16="http://schemas.microsoft.com/office/drawing/2014/main" id="{81CED36D-BAED-48CA-A871-F98A3305463A}"/>
+                </a:ext>
+                <a:ext uri="{C183D7F6-B498-43B3-948B-1728B52AA6E4}">
+                  <adec:decorative xmlns:adec="http://schemas.microsoft.com/office/drawing/2017/decorative" val="1"/>
+                </a:ext>
+              </a:extLst>
+            </p:cNvPr>
+            <p:cNvSpPr/>
+            <p:nvPr>
+              <p:extLst>
+                <p:ext uri="{386F3935-93C4-4BCD-93E2-E3B085C9AB24}">
+                  <p16:designElem xmlns:p16="http://schemas.microsoft.com/office/powerpoint/2015/main" val="1"/>
+                </p:ext>
+              </p:extLst>
+            </p:nvPr>
+          </p:nvSpPr>
+          <p:spPr>
+            <a:xfrm>
+              <a:off x="4241830" y="457200"/>
+              <a:ext cx="3703320" cy="91440"/>
+            </a:xfrm>
+            <a:prstGeom prst="rect">
+              <a:avLst/>
+            </a:prstGeom>
+            <a:solidFill>
+              <a:schemeClr val="accent2"/>
+            </a:solidFill>
+            <a:ln>
+              <a:noFill/>
+            </a:ln>
+            <a:effectLst/>
+          </p:spPr>
+          <p:style>
+            <a:lnRef idx="1">
+              <a:schemeClr val="accent1"/>
+            </a:lnRef>
+            <a:fillRef idx="3">
+              <a:schemeClr val="accent1"/>
+            </a:fillRef>
+            <a:effectRef idx="2">
+              <a:schemeClr val="accent1"/>
+            </a:effectRef>
+            <a:fontRef idx="minor">
+              <a:schemeClr val="lt1"/>
+            </a:fontRef>
+          </p:style>
+          <p:txBody>
+            <a:bodyPr/>
+            <a:lstStyle/>
+            <a:p>
+              <a:endParaRPr lang="en-KE"/>
+            </a:p>
+          </p:txBody>
+        </p:sp>
+      </p:grpSp>
+      <p:pic>
+        <p:nvPicPr>
+          <p:cNvPr id="5" name="Picture 4" descr="Green dialogue boxes">
+            <a:extLst>
+              <a:ext uri="{FF2B5EF4-FFF2-40B4-BE49-F238E27FC236}">
+                <a16:creationId xmlns:a16="http://schemas.microsoft.com/office/drawing/2014/main" id="{64ECB538-DB20-9270-A572-A021D7CD4CD7}"/>
+              </a:ext>
+            </a:extLst>
+          </p:cNvPr>
+          <p:cNvPicPr>
+            <a:picLocks noChangeAspect="1"/>
+          </p:cNvPicPr>
+          <p:nvPr/>
+        </p:nvPicPr>
+        <p:blipFill>
+          <a:blip r:embed="rId2"/>
+          <a:srcRect l="18910" r="27999" b="-2"/>
+          <a:stretch>
+            <a:fillRect/>
+          </a:stretch>
+        </p:blipFill>
+        <p:spPr>
+          <a:xfrm>
+            <a:off x="448732" y="600075"/>
+            <a:ext cx="3683001" cy="5775325"/>
+          </a:xfrm>
+          <a:prstGeom prst="rect">
+            <a:avLst/>
+          </a:prstGeom>
+        </p:spPr>
+      </p:pic>
       <p:sp>
         <p:nvSpPr>
           <p:cNvPr id="3" name="Content Placeholder 2">
@@ -4054,24 +5299,24 @@
         </p:nvSpPr>
         <p:spPr>
           <a:xfrm>
-            <a:off x="581192" y="1828800"/>
-            <a:ext cx="11029615" cy="4029999"/>
+            <a:off x="4382726" y="1896533"/>
+            <a:ext cx="7225074" cy="3962266"/>
           </a:xfrm>
         </p:spPr>
         <p:txBody>
           <a:bodyPr>
-            <a:normAutofit fontScale="92500" lnSpcReduction="10000"/>
+            <a:normAutofit lnSpcReduction="10000"/>
           </a:bodyPr>
           <a:lstStyle/>
           <a:p>
             <a:pPr marL="0" indent="0">
+              <a:lnSpc>
+                <a:spcPct val="90000"/>
+              </a:lnSpc>
               <a:buNone/>
             </a:pPr>
             <a:r>
-              <a:rPr lang="en-US" b="1" i="0" u="sng" dirty="0">
-                <a:solidFill>
-                  <a:srgbClr val="1F1F1F"/>
-                </a:solidFill>
+              <a:rPr lang="en-US" sz="1500" b="1" i="0" u="sng">
                 <a:effectLst/>
                 <a:latin typeface="Google Sans"/>
               </a:rPr>
@@ -4079,11 +5324,13 @@
             </a:r>
           </a:p>
           <a:p>
-            <a:r>
-              <a:rPr lang="en-US" b="0" i="0" dirty="0">
-                <a:solidFill>
-                  <a:srgbClr val="1F1F1F"/>
-                </a:solidFill>
+            <a:pPr>
+              <a:lnSpc>
+                <a:spcPct val="90000"/>
+              </a:lnSpc>
+            </a:pPr>
+            <a:r>
+              <a:rPr lang="en-US" sz="1500" b="0" i="0">
                 <a:effectLst/>
                 <a:latin typeface="Google Sans"/>
               </a:rPr>
@@ -4092,13 +5339,13 @@
           </a:p>
           <a:p>
             <a:pPr marL="0" indent="0">
+              <a:lnSpc>
+                <a:spcPct val="90000"/>
+              </a:lnSpc>
               <a:buNone/>
             </a:pPr>
             <a:r>
-              <a:rPr lang="en-US" b="1" i="0" u="sng" dirty="0">
-                <a:solidFill>
-                  <a:srgbClr val="1F1F1F"/>
-                </a:solidFill>
+              <a:rPr lang="en-US" sz="1500" b="1" i="0" u="sng">
                 <a:effectLst/>
                 <a:latin typeface="Google Sans"/>
               </a:rPr>
@@ -4106,30 +5353,26 @@
             </a:r>
           </a:p>
           <a:p>
-            <a:r>
-              <a:rPr lang="en-US" b="0" i="0" dirty="0">
-                <a:solidFill>
-                  <a:srgbClr val="1F1F1F"/>
-                </a:solidFill>
+            <a:pPr>
+              <a:lnSpc>
+                <a:spcPct val="90000"/>
+              </a:lnSpc>
+            </a:pPr>
+            <a:r>
+              <a:rPr lang="en-US" sz="1500" b="0" i="0">
                 <a:effectLst/>
                 <a:latin typeface="Google Sans"/>
               </a:rPr>
               <a:t>The objective of this project is to develop a machine learning model that can accurately classify the sentiment of tweets related to a specific product or brand. Each tweet will be categorized into one of three classes: Positive, neutral </a:t>
             </a:r>
             <a:r>
-              <a:rPr lang="en-US" dirty="0">
-                <a:solidFill>
-                  <a:srgbClr val="1F1F1F"/>
-                </a:solidFill>
+              <a:rPr lang="en-US" sz="1500">
                 <a:latin typeface="Google Sans"/>
               </a:rPr>
               <a:t>and n</a:t>
             </a:r>
             <a:r>
-              <a:rPr lang="en-US" b="0" i="0" dirty="0">
-                <a:solidFill>
-                  <a:srgbClr val="1F1F1F"/>
-                </a:solidFill>
+              <a:rPr lang="en-US" sz="1500" b="0" i="0">
                 <a:effectLst/>
                 <a:latin typeface="Google Sans"/>
               </a:rPr>
@@ -4138,14 +5381,14 @@
           </a:p>
           <a:p>
             <a:pPr marL="666900" lvl="1" indent="-342900">
+              <a:lnSpc>
+                <a:spcPct val="90000"/>
+              </a:lnSpc>
               <a:buFont typeface="+mj-lt"/>
               <a:buAutoNum type="arabicPeriod"/>
             </a:pPr>
             <a:r>
-              <a:rPr lang="en-US" b="0" i="0" dirty="0">
-                <a:solidFill>
-                  <a:srgbClr val="1F1F1F"/>
-                </a:solidFill>
+              <a:rPr lang="en-US" sz="1500" b="0" i="0">
                 <a:effectLst/>
                 <a:latin typeface="Google Sans"/>
               </a:rPr>
@@ -4154,14 +5397,14 @@
           </a:p>
           <a:p>
             <a:pPr marL="666900" lvl="1" indent="-342900">
+              <a:lnSpc>
+                <a:spcPct val="90000"/>
+              </a:lnSpc>
               <a:buFont typeface="+mj-lt"/>
               <a:buAutoNum type="arabicPeriod"/>
             </a:pPr>
             <a:r>
-              <a:rPr lang="en-US" b="0" i="0" dirty="0">
-                <a:solidFill>
-                  <a:srgbClr val="1F1F1F"/>
-                </a:solidFill>
+              <a:rPr lang="en-US" sz="1500" b="0" i="0">
                 <a:effectLst/>
                 <a:latin typeface="Google Sans"/>
               </a:rPr>
@@ -4170,14 +5413,14 @@
           </a:p>
           <a:p>
             <a:pPr marL="666900" lvl="1" indent="-342900">
+              <a:lnSpc>
+                <a:spcPct val="90000"/>
+              </a:lnSpc>
               <a:buFont typeface="+mj-lt"/>
               <a:buAutoNum type="arabicPeriod"/>
             </a:pPr>
             <a:r>
-              <a:rPr lang="en-US" b="0" i="0" dirty="0">
-                <a:solidFill>
-                  <a:srgbClr val="1F1F1F"/>
-                </a:solidFill>
+              <a:rPr lang="en-US" sz="1500" b="0" i="0">
                 <a:effectLst/>
                 <a:latin typeface="Google Sans"/>
               </a:rPr>
@@ -4185,7 +5428,12 @@
             </a:r>
           </a:p>
           <a:p>
-            <a:endParaRPr lang="en-US" dirty="0"/>
+            <a:pPr>
+              <a:lnSpc>
+                <a:spcPct val="90000"/>
+              </a:lnSpc>
+            </a:pPr>
+            <a:endParaRPr lang="en-US" sz="1500"/>
           </a:p>
         </p:txBody>
       </p:sp>
@@ -4265,8 +5513,24 @@
         </p:nvSpPr>
         <p:spPr/>
         <p:txBody>
-          <a:bodyPr/>
+          <a:bodyPr>
+            <a:normAutofit lnSpcReduction="10000"/>
+          </a:bodyPr>
           <a:lstStyle/>
+          <a:p>
+            <a:pPr marL="0" indent="0">
+              <a:buNone/>
+            </a:pPr>
+            <a:r>
+              <a:rPr lang="en-US" b="1" u="sng" dirty="0">
+                <a:solidFill>
+                  <a:srgbClr val="1F1F1F"/>
+                </a:solidFill>
+                <a:latin typeface="Google Sans"/>
+              </a:rPr>
+              <a:t>Main objective :</a:t>
+            </a:r>
+          </a:p>
           <a:p>
             <a:r>
               <a:rPr lang="en-US" b="0" i="0" dirty="0">
@@ -4340,9 +5604,76 @@
                 <a:effectLst/>
                 <a:latin typeface="Google Sans"/>
               </a:rPr>
-              <a:t>Predict sentiment for new/unseen tweets with reasonable accuracy</a:t>
-            </a:r>
-            <a:endParaRPr lang="en-US" dirty="0"/>
+              <a:t>Predict sentiment for new/unseen tweets with reasonable accuracy.</a:t>
+            </a:r>
+          </a:p>
+          <a:p>
+            <a:r>
+              <a:rPr lang="en-US" dirty="0">
+                <a:solidFill>
+                  <a:srgbClr val="1F1F1F"/>
+                </a:solidFill>
+                <a:latin typeface="Google Sans"/>
+              </a:rPr>
+              <a:t>Other objectives include; </a:t>
+            </a:r>
+          </a:p>
+          <a:p>
+            <a:pPr marL="666900" lvl="1" indent="-342900">
+              <a:buFont typeface="+mj-lt"/>
+              <a:buAutoNum type="arabicPeriod"/>
+            </a:pPr>
+            <a:r>
+              <a:rPr lang="en-US" dirty="0">
+                <a:solidFill>
+                  <a:srgbClr val="1F1F1F"/>
+                </a:solidFill>
+                <a:latin typeface="Google Sans"/>
+              </a:rPr>
+              <a:t>Deploying the sentiment analysis app.</a:t>
+            </a:r>
+          </a:p>
+          <a:p>
+            <a:pPr marL="666900" lvl="1" indent="-342900">
+              <a:buFont typeface="+mj-lt"/>
+              <a:buAutoNum type="arabicPeriod"/>
+            </a:pPr>
+            <a:r>
+              <a:rPr lang="en-US" dirty="0">
+                <a:solidFill>
+                  <a:srgbClr val="1F1F1F"/>
+                </a:solidFill>
+                <a:latin typeface="Google Sans"/>
+              </a:rPr>
+              <a:t>Plotting the sentiments per product.</a:t>
+            </a:r>
+          </a:p>
+          <a:p>
+            <a:pPr marL="666900" lvl="1" indent="-342900">
+              <a:buFont typeface="+mj-lt"/>
+              <a:buAutoNum type="arabicPeriod"/>
+            </a:pPr>
+            <a:r>
+              <a:rPr lang="en-US" dirty="0">
+                <a:solidFill>
+                  <a:srgbClr val="1F1F1F"/>
+                </a:solidFill>
+                <a:latin typeface="Google Sans"/>
+              </a:rPr>
+              <a:t>Creating a report on the sentiments.</a:t>
+            </a:r>
+          </a:p>
+          <a:p>
+            <a:pPr marL="324000" lvl="1" indent="0">
+              <a:buNone/>
+            </a:pPr>
+            <a:endParaRPr lang="en-US" b="0" i="0" dirty="0">
+              <a:solidFill>
+                <a:srgbClr val="1F1F1F"/>
+              </a:solidFill>
+              <a:effectLst/>
+              <a:latin typeface="Google Sans"/>
+            </a:endParaRPr>
           </a:p>
         </p:txBody>
       </p:sp>
@@ -5142,6 +6473,145 @@
           </a:p>
         </p:txBody>
       </p:sp>
+    </p:spTree>
+    <p:extLst>
+      <p:ext uri="{BB962C8B-B14F-4D97-AF65-F5344CB8AC3E}">
+        <p14:creationId xmlns:p14="http://schemas.microsoft.com/office/powerpoint/2010/main" val="2274366058"/>
+      </p:ext>
+    </p:extLst>
+  </p:cSld>
+  <p:clrMapOvr>
+    <a:masterClrMapping/>
+  </p:clrMapOvr>
+</p:sld>
+</file>
+
+<file path=ppt/slides/slide7.xml><?xml version="1.0" encoding="utf-8"?>
+<p:sld xmlns:a="http://schemas.openxmlformats.org/drawingml/2006/main" xmlns:r="http://schemas.openxmlformats.org/officeDocument/2006/relationships" xmlns:p="http://schemas.openxmlformats.org/presentationml/2006/main">
+  <p:cSld>
+    <p:bg>
+      <p:bgPr>
+        <a:solidFill>
+          <a:schemeClr val="bg1"/>
+        </a:solidFill>
+        <a:effectLst/>
+      </p:bgPr>
+    </p:bg>
+    <p:spTree>
+      <p:nvGrpSpPr>
+        <p:cNvPr id="1" name=""/>
+        <p:cNvGrpSpPr/>
+        <p:nvPr/>
+      </p:nvGrpSpPr>
+      <p:grpSpPr>
+        <a:xfrm>
+          <a:off x="0" y="0"/>
+          <a:ext cx="0" cy="0"/>
+          <a:chOff x="0" y="0"/>
+          <a:chExt cx="0" cy="0"/>
+        </a:xfrm>
+      </p:grpSpPr>
+      <p:sp>
+        <p:nvSpPr>
+          <p:cNvPr id="2" name="Title 1">
+            <a:extLst>
+              <a:ext uri="{FF2B5EF4-FFF2-40B4-BE49-F238E27FC236}">
+                <a16:creationId xmlns:a16="http://schemas.microsoft.com/office/drawing/2014/main" id="{DA954ACA-6902-E5DD-BA9F-82969C83C46B}"/>
+              </a:ext>
+            </a:extLst>
+          </p:cNvPr>
+          <p:cNvSpPr>
+            <a:spLocks noGrp="1"/>
+          </p:cNvSpPr>
+          <p:nvPr>
+            <p:ph type="title"/>
+          </p:nvPr>
+        </p:nvSpPr>
+        <p:spPr>
+          <a:xfrm>
+            <a:off x="581192" y="702156"/>
+            <a:ext cx="11029616" cy="1013800"/>
+          </a:xfrm>
+        </p:spPr>
+        <p:txBody>
+          <a:bodyPr>
+            <a:normAutofit/>
+          </a:bodyPr>
+          <a:lstStyle/>
+          <a:p>
+            <a:r>
+              <a:rPr lang="en-US">
+                <a:solidFill>
+                  <a:srgbClr val="FFFFFF"/>
+                </a:solidFill>
+              </a:rPr>
+              <a:t>MODELLING</a:t>
+            </a:r>
+          </a:p>
+        </p:txBody>
+      </p:sp>
+      <p:sp useBgFill="1">
+        <p:nvSpPr>
+          <p:cNvPr id="17" name="Rectangle 16">
+            <a:extLst>
+              <a:ext uri="{FF2B5EF4-FFF2-40B4-BE49-F238E27FC236}">
+                <a16:creationId xmlns:a16="http://schemas.microsoft.com/office/drawing/2014/main" id="{9E661D03-4DD4-45E7-A047-ED722E826D59}"/>
+              </a:ext>
+              <a:ext uri="{C183D7F6-B498-43B3-948B-1728B52AA6E4}">
+                <adec:decorative xmlns:adec="http://schemas.microsoft.com/office/drawing/2017/decorative" val="1"/>
+              </a:ext>
+            </a:extLst>
+          </p:cNvPr>
+          <p:cNvSpPr>
+            <a:spLocks noGrp="1" noRot="1" noChangeAspect="1" noMove="1" noResize="1" noEditPoints="1" noAdjustHandles="1" noChangeArrowheads="1" noChangeShapeType="1" noTextEdit="1"/>
+          </p:cNvSpPr>
+          <p:nvPr>
+            <p:extLst>
+              <p:ext uri="{386F3935-93C4-4BCD-93E2-E3B085C9AB24}">
+                <p16:designElem xmlns:p16="http://schemas.microsoft.com/office/powerpoint/2015/main" val="1"/>
+              </p:ext>
+            </p:extLst>
+          </p:nvPr>
+        </p:nvSpPr>
+        <p:spPr>
+          <a:xfrm>
+            <a:off x="446533" y="2180496"/>
+            <a:ext cx="5404639" cy="4045683"/>
+          </a:xfrm>
+          <a:prstGeom prst="rect">
+            <a:avLst/>
+          </a:prstGeom>
+          <a:ln w="38100">
+            <a:solidFill>
+              <a:schemeClr val="accent1"/>
+            </a:solidFill>
+          </a:ln>
+        </p:spPr>
+        <p:style>
+          <a:lnRef idx="2">
+            <a:schemeClr val="accent1">
+              <a:shade val="50000"/>
+            </a:schemeClr>
+          </a:lnRef>
+          <a:fillRef idx="1">
+            <a:schemeClr val="accent1"/>
+          </a:fillRef>
+          <a:effectRef idx="0">
+            <a:schemeClr val="accent1"/>
+          </a:effectRef>
+          <a:fontRef idx="minor">
+            <a:schemeClr val="lt1"/>
+          </a:fontRef>
+        </p:style>
+        <p:txBody>
+          <a:bodyPr rtlCol="0" anchor="ctr"/>
+          <a:lstStyle/>
+          <a:p>
+            <a:pPr algn="ctr"/>
+            <a:endParaRPr lang="en-US"/>
+          </a:p>
+        </p:txBody>
+      </p:sp>
       <p:pic>
         <p:nvPicPr>
           <p:cNvPr id="4" name="Picture 3">
@@ -5164,72 +6634,14 @@
         </p:blipFill>
         <p:spPr>
           <a:xfrm>
-            <a:off x="5082746" y="3921210"/>
-            <a:ext cx="5799437" cy="2854411"/>
+            <a:off x="657225" y="2709315"/>
+            <a:ext cx="4962525" cy="2952701"/>
           </a:xfrm>
           <a:prstGeom prst="rect">
             <a:avLst/>
           </a:prstGeom>
         </p:spPr>
       </p:pic>
-    </p:spTree>
-    <p:extLst>
-      <p:ext uri="{BB962C8B-B14F-4D97-AF65-F5344CB8AC3E}">
-        <p14:creationId xmlns:p14="http://schemas.microsoft.com/office/powerpoint/2010/main" val="2274366058"/>
-      </p:ext>
-    </p:extLst>
-  </p:cSld>
-  <p:clrMapOvr>
-    <a:masterClrMapping/>
-  </p:clrMapOvr>
-</p:sld>
-</file>
-
-<file path=ppt/slides/slide7.xml><?xml version="1.0" encoding="utf-8"?>
-<p:sld xmlns:a="http://schemas.openxmlformats.org/drawingml/2006/main" xmlns:r="http://schemas.openxmlformats.org/officeDocument/2006/relationships" xmlns:p="http://schemas.openxmlformats.org/presentationml/2006/main">
-  <p:cSld>
-    <p:spTree>
-      <p:nvGrpSpPr>
-        <p:cNvPr id="1" name=""/>
-        <p:cNvGrpSpPr/>
-        <p:nvPr/>
-      </p:nvGrpSpPr>
-      <p:grpSpPr>
-        <a:xfrm>
-          <a:off x="0" y="0"/>
-          <a:ext cx="0" cy="0"/>
-          <a:chOff x="0" y="0"/>
-          <a:chExt cx="0" cy="0"/>
-        </a:xfrm>
-      </p:grpSpPr>
-      <p:sp>
-        <p:nvSpPr>
-          <p:cNvPr id="2" name="Title 1">
-            <a:extLst>
-              <a:ext uri="{FF2B5EF4-FFF2-40B4-BE49-F238E27FC236}">
-                <a16:creationId xmlns:a16="http://schemas.microsoft.com/office/drawing/2014/main" id="{DA954ACA-6902-E5DD-BA9F-82969C83C46B}"/>
-              </a:ext>
-            </a:extLst>
-          </p:cNvPr>
-          <p:cNvSpPr>
-            <a:spLocks noGrp="1"/>
-          </p:cNvSpPr>
-          <p:nvPr>
-            <p:ph type="title"/>
-          </p:nvPr>
-        </p:nvSpPr>
-        <p:spPr/>
-        <p:txBody>
-          <a:bodyPr/>
-          <a:lstStyle/>
-          <a:p>
-            <a:r>
-              <a:rPr lang="en-US" dirty="0"/>
-              <a:t>MODELLING</a:t>
-            </a:r>
-          </a:p>
-        </p:txBody>
-      </p:sp>
       <p:sp>
         <p:nvSpPr>
           <p:cNvPr id="3" name="Content Placeholder 2">
@@ -5246,19 +6658,23 @@
             <p:ph idx="1"/>
           </p:nvPr>
         </p:nvSpPr>
-        <p:spPr/>
-        <p:txBody>
-          <a:bodyPr/>
+        <p:spPr>
+          <a:xfrm>
+            <a:off x="6335805" y="2180496"/>
+            <a:ext cx="5275001" cy="4045683"/>
+          </a:xfrm>
+        </p:spPr>
+        <p:txBody>
+          <a:bodyPr>
+            <a:normAutofit/>
+          </a:bodyPr>
           <a:lstStyle/>
           <a:p>
-            <a:pPr algn="l">
+            <a:pPr>
               <a:buNone/>
             </a:pPr>
             <a:r>
               <a:rPr lang="en-US" b="1" i="0" u="sng" dirty="0">
-                <a:solidFill>
-                  <a:srgbClr val="1F1F1F"/>
-                </a:solidFill>
                 <a:effectLst/>
                 <a:latin typeface="Google Sans"/>
               </a:rPr>
@@ -5266,29 +6682,19 @@
             </a:r>
             <a:r>
               <a:rPr lang="en-US" b="1" i="0" u="sng" dirty="0" err="1">
-                <a:solidFill>
-                  <a:srgbClr val="1F1F1F"/>
-                </a:solidFill>
                 <a:effectLst/>
                 <a:latin typeface="Google Sans"/>
               </a:rPr>
               <a:t>GridSearchCV</a:t>
             </a:r>
             <a:endParaRPr lang="en-US" b="1" i="0" u="sng" dirty="0">
-              <a:solidFill>
-                <a:srgbClr val="1F1F1F"/>
-              </a:solidFill>
               <a:effectLst/>
               <a:latin typeface="Google Sans"/>
             </a:endParaRPr>
           </a:p>
           <a:p>
-            <a:pPr algn="l"/>
             <a:r>
               <a:rPr lang="en-US" b="0" i="0" dirty="0">
-                <a:solidFill>
-                  <a:srgbClr val="1F1F1F"/>
-                </a:solidFill>
                 <a:effectLst/>
                 <a:latin typeface="Google Sans"/>
               </a:rPr>
@@ -5298,9 +6704,6 @@
           <a:p>
             <a:r>
               <a:rPr lang="en-US" b="0" i="0" dirty="0">
-                <a:solidFill>
-                  <a:srgbClr val="1F1F1F"/>
-                </a:solidFill>
                 <a:effectLst/>
                 <a:latin typeface="Google Sans"/>
               </a:rPr>
@@ -5314,9 +6717,6 @@
             </a:pPr>
             <a:r>
               <a:rPr lang="en-US" b="0" i="0" dirty="0">
-                <a:solidFill>
-                  <a:srgbClr val="1F1F1F"/>
-                </a:solidFill>
                 <a:effectLst/>
                 <a:latin typeface="Google Sans"/>
               </a:rPr>
@@ -5330,9 +6730,6 @@
             </a:pPr>
             <a:r>
               <a:rPr lang="en-US" b="0" i="0" dirty="0">
-                <a:solidFill>
-                  <a:srgbClr val="1F1F1F"/>
-                </a:solidFill>
                 <a:effectLst/>
                 <a:latin typeface="Google Sans"/>
               </a:rPr>
@@ -5346,9 +6743,6 @@
             </a:pPr>
             <a:r>
               <a:rPr lang="en-US" b="0" i="0" dirty="0">
-                <a:solidFill>
-                  <a:srgbClr val="1F1F1F"/>
-                </a:solidFill>
                 <a:effectLst/>
                 <a:latin typeface="Google Sans"/>
               </a:rPr>
@@ -5358,9 +6752,6 @@
           <a:p>
             <a:r>
               <a:rPr lang="en-US" b="0" i="0" dirty="0">
-                <a:solidFill>
-                  <a:srgbClr val="1F1F1F"/>
-                </a:solidFill>
                 <a:effectLst/>
                 <a:latin typeface="Google Sans"/>
               </a:rPr>
@@ -5386,6 +6777,14 @@
 <file path=ppt/slides/slide8.xml><?xml version="1.0" encoding="utf-8"?>
 <p:sld xmlns:a="http://schemas.openxmlformats.org/drawingml/2006/main" xmlns:r="http://schemas.openxmlformats.org/officeDocument/2006/relationships" xmlns:p="http://schemas.openxmlformats.org/presentationml/2006/main">
   <p:cSld>
+    <p:bg>
+      <p:bgPr>
+        <a:solidFill>
+          <a:schemeClr val="bg1"/>
+        </a:solidFill>
+        <a:effectLst/>
+      </p:bgPr>
+    </p:bg>
     <p:spTree>
       <p:nvGrpSpPr>
         <p:cNvPr id="1" name=""/>
@@ -5400,6 +6799,126 @@
           <a:chExt cx="0" cy="0"/>
         </a:xfrm>
       </p:grpSpPr>
+      <p:sp useBgFill="1">
+        <p:nvSpPr>
+          <p:cNvPr id="8" name="Rectangle 7">
+            <a:extLst>
+              <a:ext uri="{FF2B5EF4-FFF2-40B4-BE49-F238E27FC236}">
+                <a16:creationId xmlns:a16="http://schemas.microsoft.com/office/drawing/2014/main" id="{B373F125-DEF3-41D6-9918-AB21A2ACC37A}"/>
+              </a:ext>
+              <a:ext uri="{C183D7F6-B498-43B3-948B-1728B52AA6E4}">
+                <adec:decorative xmlns:adec="http://schemas.microsoft.com/office/drawing/2017/decorative" val="1"/>
+              </a:ext>
+            </a:extLst>
+          </p:cNvPr>
+          <p:cNvSpPr>
+            <a:spLocks noGrp="1" noRot="1" noChangeAspect="1" noMove="1" noResize="1" noEditPoints="1" noAdjustHandles="1" noChangeArrowheads="1" noChangeShapeType="1" noTextEdit="1"/>
+          </p:cNvSpPr>
+          <p:nvPr>
+            <p:extLst>
+              <p:ext uri="{386F3935-93C4-4BCD-93E2-E3B085C9AB24}">
+                <p16:designElem xmlns:p16="http://schemas.microsoft.com/office/powerpoint/2015/main" val="1"/>
+              </p:ext>
+            </p:extLst>
+          </p:nvPr>
+        </p:nvSpPr>
+        <p:spPr>
+          <a:xfrm>
+            <a:off x="0" y="0"/>
+            <a:ext cx="12192000" cy="6858000"/>
+          </a:xfrm>
+          <a:prstGeom prst="rect">
+            <a:avLst/>
+          </a:prstGeom>
+          <a:ln>
+            <a:noFill/>
+          </a:ln>
+        </p:spPr>
+        <p:style>
+          <a:lnRef idx="2">
+            <a:schemeClr val="accent1">
+              <a:shade val="50000"/>
+            </a:schemeClr>
+          </a:lnRef>
+          <a:fillRef idx="1">
+            <a:schemeClr val="accent1"/>
+          </a:fillRef>
+          <a:effectRef idx="0">
+            <a:schemeClr val="accent1"/>
+          </a:effectRef>
+          <a:fontRef idx="minor">
+            <a:schemeClr val="lt1"/>
+          </a:fontRef>
+        </p:style>
+        <p:txBody>
+          <a:bodyPr rtlCol="0" anchor="ctr"/>
+          <a:lstStyle/>
+          <a:p>
+            <a:pPr algn="ctr"/>
+            <a:endParaRPr lang="en-US"/>
+          </a:p>
+        </p:txBody>
+      </p:sp>
+      <p:sp>
+        <p:nvSpPr>
+          <p:cNvPr id="10" name="Rectangle 9">
+            <a:extLst>
+              <a:ext uri="{FF2B5EF4-FFF2-40B4-BE49-F238E27FC236}">
+                <a16:creationId xmlns:a16="http://schemas.microsoft.com/office/drawing/2014/main" id="{71E9F226-EB6E-48C9-ADDA-636DE4BF4EBE}"/>
+              </a:ext>
+              <a:ext uri="{C183D7F6-B498-43B3-948B-1728B52AA6E4}">
+                <adec:decorative xmlns:adec="http://schemas.microsoft.com/office/drawing/2017/decorative" val="1"/>
+              </a:ext>
+            </a:extLst>
+          </p:cNvPr>
+          <p:cNvSpPr>
+            <a:spLocks noGrp="1" noRot="1" noChangeAspect="1" noMove="1" noResize="1" noEditPoints="1" noAdjustHandles="1" noChangeArrowheads="1" noChangeShapeType="1" noTextEdit="1"/>
+          </p:cNvSpPr>
+          <p:nvPr>
+            <p:extLst>
+              <p:ext uri="{386F3935-93C4-4BCD-93E2-E3B085C9AB24}">
+                <p16:designElem xmlns:p16="http://schemas.microsoft.com/office/powerpoint/2015/main" val="1"/>
+              </p:ext>
+            </p:extLst>
+          </p:nvPr>
+        </p:nvSpPr>
+        <p:spPr>
+          <a:xfrm>
+            <a:off x="490581" y="485678"/>
+            <a:ext cx="4174743" cy="5888772"/>
+          </a:xfrm>
+          <a:prstGeom prst="rect">
+            <a:avLst/>
+          </a:prstGeom>
+          <a:ln>
+            <a:noFill/>
+          </a:ln>
+        </p:spPr>
+        <p:style>
+          <a:lnRef idx="2">
+            <a:schemeClr val="accent1">
+              <a:shade val="50000"/>
+            </a:schemeClr>
+          </a:lnRef>
+          <a:fillRef idx="1">
+            <a:schemeClr val="accent1"/>
+          </a:fillRef>
+          <a:effectRef idx="0">
+            <a:schemeClr val="accent1"/>
+          </a:effectRef>
+          <a:fontRef idx="minor">
+            <a:schemeClr val="lt1"/>
+          </a:fontRef>
+        </p:style>
+        <p:txBody>
+          <a:bodyPr rtlCol="0" anchor="ctr"/>
+          <a:lstStyle/>
+          <a:p>
+            <a:pPr algn="ctr"/>
+            <a:endParaRPr lang="en-US"/>
+          </a:p>
+        </p:txBody>
+      </p:sp>
       <p:sp>
         <p:nvSpPr>
           <p:cNvPr id="2" name="Title 1">
@@ -5416,13 +6935,24 @@
             <p:ph type="title"/>
           </p:nvPr>
         </p:nvSpPr>
-        <p:spPr/>
-        <p:txBody>
-          <a:bodyPr/>
+        <p:spPr>
+          <a:xfrm>
+            <a:off x="959157" y="1113764"/>
+            <a:ext cx="3269749" cy="4624327"/>
+          </a:xfrm>
+        </p:spPr>
+        <p:txBody>
+          <a:bodyPr anchor="ctr">
+            <a:normAutofit/>
+          </a:bodyPr>
           <a:lstStyle/>
           <a:p>
             <a:r>
-              <a:rPr lang="en-US" dirty="0"/>
+              <a:rPr lang="en-US" sz="2700">
+                <a:solidFill>
+                  <a:srgbClr val="FFFFFF"/>
+                </a:solidFill>
+              </a:rPr>
               <a:t>MODEL INTERPRETABILITY AND EVALUATION</a:t>
             </a:r>
           </a:p>
@@ -5446,21 +6976,23 @@
         </p:nvSpPr>
         <p:spPr>
           <a:xfrm>
-            <a:off x="581192" y="2042984"/>
-            <a:ext cx="11029615" cy="3815815"/>
-          </a:xfrm>
-        </p:spPr>
-        <p:txBody>
-          <a:bodyPr>
+            <a:off x="5155905" y="1113764"/>
+            <a:ext cx="6108179" cy="4624327"/>
+          </a:xfrm>
+        </p:spPr>
+        <p:txBody>
+          <a:bodyPr anchor="ctr">
             <a:normAutofit/>
           </a:bodyPr>
           <a:lstStyle/>
           <a:p>
-            <a:r>
-              <a:rPr lang="en-US" b="0" i="0" dirty="0">
-                <a:solidFill>
-                  <a:srgbClr val="1F1F1F"/>
-                </a:solidFill>
+            <a:pPr>
+              <a:lnSpc>
+                <a:spcPct val="90000"/>
+              </a:lnSpc>
+            </a:pPr>
+            <a:r>
+              <a:rPr lang="en-US" b="0" i="0">
                 <a:effectLst/>
                 <a:latin typeface="Google Sans"/>
               </a:rPr>
@@ -5469,24 +7001,21 @@
           </a:p>
           <a:p>
             <a:pPr marL="936900" lvl="2" indent="-342900">
+              <a:lnSpc>
+                <a:spcPct val="90000"/>
+              </a:lnSpc>
               <a:buFont typeface="+mj-lt"/>
               <a:buAutoNum type="arabicPeriod"/>
             </a:pPr>
             <a:r>
-              <a:rPr lang="en-US" b="1" i="0" dirty="0">
-                <a:solidFill>
-                  <a:srgbClr val="1F1F1F"/>
-                </a:solidFill>
+              <a:rPr lang="en-US" b="1" i="0">
                 <a:effectLst/>
                 <a:latin typeface="Google Sans"/>
               </a:rPr>
               <a:t>Eli5 - </a:t>
             </a:r>
             <a:r>
-              <a:rPr lang="en-US" b="0" i="0" dirty="0">
-                <a:solidFill>
-                  <a:srgbClr val="1F1F1F"/>
-                </a:solidFill>
+              <a:rPr lang="en-US" b="0" i="0">
                 <a:effectLst/>
                 <a:latin typeface="Google Sans"/>
               </a:rPr>
@@ -5495,41 +7024,32 @@
           </a:p>
           <a:p>
             <a:pPr marL="936900" lvl="2" indent="-342900">
+              <a:lnSpc>
+                <a:spcPct val="90000"/>
+              </a:lnSpc>
               <a:buFont typeface="+mj-lt"/>
               <a:buAutoNum type="arabicPeriod"/>
             </a:pPr>
             <a:r>
-              <a:rPr lang="en-US" b="1" dirty="0">
-                <a:solidFill>
-                  <a:srgbClr val="1F1F1F"/>
-                </a:solidFill>
+              <a:rPr lang="en-US" b="1">
                 <a:latin typeface="Google Sans"/>
               </a:rPr>
               <a:t>SHAP (</a:t>
             </a:r>
             <a:r>
-              <a:rPr lang="en-US" b="1" dirty="0" err="1">
-                <a:solidFill>
-                  <a:srgbClr val="1F1F1F"/>
-                </a:solidFill>
+              <a:rPr lang="en-US" b="1" err="1">
                 <a:latin typeface="Google Sans"/>
               </a:rPr>
               <a:t>SHapley</a:t>
             </a:r>
             <a:r>
-              <a:rPr lang="en-US" b="1" dirty="0">
-                <a:solidFill>
-                  <a:srgbClr val="1F1F1F"/>
-                </a:solidFill>
+              <a:rPr lang="en-US" b="1">
                 <a:latin typeface="Google Sans"/>
               </a:rPr>
               <a:t> Additive Explanations) </a:t>
             </a:r>
             <a:r>
-              <a:rPr lang="en-US" dirty="0">
-                <a:solidFill>
-                  <a:srgbClr val="1F1F1F"/>
-                </a:solidFill>
+              <a:rPr lang="en-US">
                 <a:latin typeface="Google Sans"/>
               </a:rPr>
               <a:t>– It quantifies the impact of each word on the prediction and helps visualize which words pushed the model toward positive, neutral, or negative.</a:t>
@@ -5537,34 +7057,33 @@
           </a:p>
           <a:p>
             <a:pPr marL="936900" lvl="2" indent="-342900">
+              <a:lnSpc>
+                <a:spcPct val="90000"/>
+              </a:lnSpc>
               <a:buFont typeface="+mj-lt"/>
               <a:buAutoNum type="arabicPeriod"/>
             </a:pPr>
             <a:r>
-              <a:rPr lang="en-US" b="1" dirty="0">
-                <a:solidFill>
-                  <a:srgbClr val="1F1F1F"/>
-                </a:solidFill>
+              <a:rPr lang="en-US" b="1">
                 <a:latin typeface="Google Sans"/>
               </a:rPr>
               <a:t>LIME (Local Interpretable Model-Agnostic Explanations) </a:t>
             </a:r>
             <a:r>
-              <a:rPr lang="en-US" dirty="0">
-                <a:solidFill>
-                  <a:srgbClr val="1F1F1F"/>
-                </a:solidFill>
+              <a:rPr lang="en-US">
                 <a:latin typeface="Google Sans"/>
               </a:rPr>
               <a:t>-  It generates a local approximation of the model around one tweet and identifies top influential features (words) with weights.</a:t>
             </a:r>
           </a:p>
           <a:p>
-            <a:r>
-              <a:rPr lang="en-US" b="0" i="0" dirty="0">
-                <a:solidFill>
-                  <a:srgbClr val="1F1F1F"/>
-                </a:solidFill>
+            <a:pPr>
+              <a:lnSpc>
+                <a:spcPct val="90000"/>
+              </a:lnSpc>
+            </a:pPr>
+            <a:r>
+              <a:rPr lang="en-US" b="0" i="0">
                 <a:effectLst/>
                 <a:latin typeface="Google Sans"/>
               </a:rPr>
@@ -5573,14 +7092,14 @@
           </a:p>
           <a:p>
             <a:pPr marL="666900" lvl="1" indent="-342900">
+              <a:lnSpc>
+                <a:spcPct val="90000"/>
+              </a:lnSpc>
               <a:buFont typeface="+mj-lt"/>
               <a:buAutoNum type="arabicPeriod"/>
             </a:pPr>
             <a:r>
-              <a:rPr lang="en-US" b="0" i="0" dirty="0">
-                <a:solidFill>
-                  <a:srgbClr val="1F1F1F"/>
-                </a:solidFill>
+              <a:rPr lang="en-US" b="0" i="0">
                 <a:effectLst/>
                 <a:latin typeface="Google Sans"/>
               </a:rPr>
@@ -5589,14 +7108,14 @@
           </a:p>
           <a:p>
             <a:pPr marL="666900" lvl="1" indent="-342900">
+              <a:lnSpc>
+                <a:spcPct val="90000"/>
+              </a:lnSpc>
               <a:buFont typeface="+mj-lt"/>
               <a:buAutoNum type="arabicPeriod"/>
             </a:pPr>
             <a:r>
-              <a:rPr lang="en-US" b="0" i="0" dirty="0">
-                <a:solidFill>
-                  <a:srgbClr val="1F1F1F"/>
-                </a:solidFill>
+              <a:rPr lang="en-US" b="0" i="0">
                 <a:effectLst/>
                 <a:latin typeface="Google Sans"/>
               </a:rPr>
@@ -5605,14 +7124,14 @@
           </a:p>
           <a:p>
             <a:pPr marL="666900" lvl="1" indent="-342900">
+              <a:lnSpc>
+                <a:spcPct val="90000"/>
+              </a:lnSpc>
               <a:buFont typeface="+mj-lt"/>
               <a:buAutoNum type="arabicPeriod"/>
             </a:pPr>
             <a:r>
-              <a:rPr lang="en-US" b="0" i="0" dirty="0">
-                <a:solidFill>
-                  <a:srgbClr val="1F1F1F"/>
-                </a:solidFill>
+              <a:rPr lang="en-US" b="0" i="0">
                 <a:effectLst/>
                 <a:latin typeface="Google Sans"/>
               </a:rPr>
@@ -5620,7 +7139,12 @@
             </a:r>
           </a:p>
           <a:p>
-            <a:endParaRPr lang="en-US" dirty="0"/>
+            <a:pPr>
+              <a:lnSpc>
+                <a:spcPct val="90000"/>
+              </a:lnSpc>
+            </a:pPr>
+            <a:endParaRPr lang="en-US"/>
           </a:p>
         </p:txBody>
       </p:sp>
@@ -5640,6 +7164,14 @@
 <file path=ppt/slides/slide9.xml><?xml version="1.0" encoding="utf-8"?>
 <p:sld xmlns:a="http://schemas.openxmlformats.org/drawingml/2006/main" xmlns:r="http://schemas.openxmlformats.org/officeDocument/2006/relationships" xmlns:p="http://schemas.openxmlformats.org/presentationml/2006/main">
   <p:cSld>
+    <p:bg>
+      <p:bgPr>
+        <a:solidFill>
+          <a:schemeClr val="bg1"/>
+        </a:solidFill>
+        <a:effectLst/>
+      </p:bgPr>
+    </p:bg>
     <p:spTree>
       <p:nvGrpSpPr>
         <p:cNvPr id="1" name=""/>
@@ -5654,6 +7186,66 @@
           <a:chExt cx="0" cy="0"/>
         </a:xfrm>
       </p:grpSpPr>
+      <p:sp useBgFill="1">
+        <p:nvSpPr>
+          <p:cNvPr id="18" name="Rectangle 17">
+            <a:extLst>
+              <a:ext uri="{FF2B5EF4-FFF2-40B4-BE49-F238E27FC236}">
+                <a16:creationId xmlns:a16="http://schemas.microsoft.com/office/drawing/2014/main" id="{1BB56EB9-078F-4952-AC1F-149C7A0AE4D5}"/>
+              </a:ext>
+              <a:ext uri="{C183D7F6-B498-43B3-948B-1728B52AA6E4}">
+                <adec:decorative xmlns:adec="http://schemas.microsoft.com/office/drawing/2017/decorative" val="1"/>
+              </a:ext>
+            </a:extLst>
+          </p:cNvPr>
+          <p:cNvSpPr>
+            <a:spLocks noGrp="1" noRot="1" noChangeAspect="1" noMove="1" noResize="1" noEditPoints="1" noAdjustHandles="1" noChangeArrowheads="1" noChangeShapeType="1" noTextEdit="1"/>
+          </p:cNvSpPr>
+          <p:nvPr>
+            <p:extLst>
+              <p:ext uri="{386F3935-93C4-4BCD-93E2-E3B085C9AB24}">
+                <p16:designElem xmlns:p16="http://schemas.microsoft.com/office/powerpoint/2015/main" val="1"/>
+              </p:ext>
+            </p:extLst>
+          </p:nvPr>
+        </p:nvSpPr>
+        <p:spPr>
+          <a:xfrm>
+            <a:off x="0" y="0"/>
+            <a:ext cx="12192000" cy="6858000"/>
+          </a:xfrm>
+          <a:prstGeom prst="rect">
+            <a:avLst/>
+          </a:prstGeom>
+          <a:ln>
+            <a:noFill/>
+          </a:ln>
+        </p:spPr>
+        <p:style>
+          <a:lnRef idx="2">
+            <a:schemeClr val="accent1">
+              <a:shade val="50000"/>
+            </a:schemeClr>
+          </a:lnRef>
+          <a:fillRef idx="1">
+            <a:schemeClr val="accent1"/>
+          </a:fillRef>
+          <a:effectRef idx="0">
+            <a:schemeClr val="accent1"/>
+          </a:effectRef>
+          <a:fontRef idx="minor">
+            <a:schemeClr val="lt1"/>
+          </a:fontRef>
+        </p:style>
+        <p:txBody>
+          <a:bodyPr rtlCol="0" anchor="ctr"/>
+          <a:lstStyle/>
+          <a:p>
+            <a:pPr algn="ctr"/>
+            <a:endParaRPr lang="en-US"/>
+          </a:p>
+        </p:txBody>
+      </p:sp>
       <p:sp>
         <p:nvSpPr>
           <p:cNvPr id="2" name="Title 1">
@@ -5670,15 +7262,120 @@
             <p:ph type="title"/>
           </p:nvPr>
         </p:nvSpPr>
-        <p:spPr/>
+        <p:spPr>
+          <a:xfrm>
+            <a:off x="4449934" y="702156"/>
+            <a:ext cx="7157865" cy="1013800"/>
+          </a:xfrm>
+        </p:spPr>
+        <p:txBody>
+          <a:bodyPr>
+            <a:normAutofit/>
+          </a:bodyPr>
+          <a:lstStyle/>
+          <a:p>
+            <a:r>
+              <a:rPr lang="en-US">
+                <a:solidFill>
+                  <a:schemeClr val="accent1"/>
+                </a:solidFill>
+              </a:rPr>
+              <a:t>DEPLOYMENT</a:t>
+            </a:r>
+          </a:p>
+        </p:txBody>
+      </p:sp>
+      <p:pic>
+        <p:nvPicPr>
+          <p:cNvPr id="5" name="Picture 4" descr="Person watching empty phone">
+            <a:extLst>
+              <a:ext uri="{FF2B5EF4-FFF2-40B4-BE49-F238E27FC236}">
+                <a16:creationId xmlns:a16="http://schemas.microsoft.com/office/drawing/2014/main" id="{63F8A9D6-1205-E4D2-4F99-EA3B6EF5A39D}"/>
+              </a:ext>
+            </a:extLst>
+          </p:cNvPr>
+          <p:cNvPicPr>
+            <a:picLocks noChangeAspect="1"/>
+          </p:cNvPicPr>
+          <p:nvPr/>
+        </p:nvPicPr>
+        <p:blipFill>
+          <a:blip r:embed="rId2"/>
+          <a:srcRect l="44704" r="15080" b="-1"/>
+          <a:stretch>
+            <a:fillRect/>
+          </a:stretch>
+        </p:blipFill>
+        <p:spPr>
+          <a:xfrm>
+            <a:off x="20" y="10"/>
+            <a:ext cx="4131713" cy="6857989"/>
+          </a:xfrm>
+          <a:prstGeom prst="rect">
+            <a:avLst/>
+          </a:prstGeom>
+        </p:spPr>
+      </p:pic>
+      <p:sp>
+        <p:nvSpPr>
+          <p:cNvPr id="20" name="Rectangle 19">
+            <a:extLst>
+              <a:ext uri="{FF2B5EF4-FFF2-40B4-BE49-F238E27FC236}">
+                <a16:creationId xmlns:a16="http://schemas.microsoft.com/office/drawing/2014/main" id="{7B42427A-0A1F-4A55-8705-D9179F1E0CFB}"/>
+              </a:ext>
+              <a:ext uri="{C183D7F6-B498-43B3-948B-1728B52AA6E4}">
+                <adec:decorative xmlns:adec="http://schemas.microsoft.com/office/drawing/2017/decorative" val="1"/>
+              </a:ext>
+            </a:extLst>
+          </p:cNvPr>
+          <p:cNvSpPr>
+            <a:spLocks noGrp="1" noRot="1" noChangeAspect="1" noMove="1" noResize="1" noEditPoints="1" noAdjustHandles="1" noChangeArrowheads="1" noChangeShapeType="1" noTextEdit="1"/>
+          </p:cNvSpPr>
+          <p:nvPr>
+            <p:extLst>
+              <p:ext uri="{386F3935-93C4-4BCD-93E2-E3B085C9AB24}">
+                <p16:designElem xmlns:p16="http://schemas.microsoft.com/office/powerpoint/2015/main" val="1"/>
+              </p:ext>
+            </p:extLst>
+          </p:nvPr>
+        </p:nvSpPr>
+        <p:spPr>
+          <a:xfrm>
+            <a:off x="4449934" y="457200"/>
+            <a:ext cx="7223760" cy="91440"/>
+          </a:xfrm>
+          <a:prstGeom prst="rect">
+            <a:avLst/>
+          </a:prstGeom>
+          <a:solidFill>
+            <a:srgbClr val="B0EAFF"/>
+          </a:solidFill>
+          <a:ln>
+            <a:solidFill>
+              <a:srgbClr val="B0EAFF"/>
+            </a:solidFill>
+          </a:ln>
+          <a:effectLst/>
+        </p:spPr>
+        <p:style>
+          <a:lnRef idx="1">
+            <a:schemeClr val="accent1"/>
+          </a:lnRef>
+          <a:fillRef idx="3">
+            <a:schemeClr val="accent1"/>
+          </a:fillRef>
+          <a:effectRef idx="2">
+            <a:schemeClr val="accent1"/>
+          </a:effectRef>
+          <a:fontRef idx="minor">
+            <a:schemeClr val="lt1"/>
+          </a:fontRef>
+        </p:style>
         <p:txBody>
           <a:bodyPr/>
           <a:lstStyle/>
           <a:p>
-            <a:r>
-              <a:rPr lang="en-US" dirty="0"/>
-              <a:t>DEPLOYMENT</a:t>
-            </a:r>
+            <a:endParaRPr lang="en-KE"/>
           </a:p>
         </p:txBody>
       </p:sp>
@@ -5698,29 +7395,36 @@
             <p:ph idx="1"/>
           </p:nvPr>
         </p:nvSpPr>
-        <p:spPr/>
-        <p:txBody>
-          <a:bodyPr/>
+        <p:spPr>
+          <a:xfrm>
+            <a:off x="4449934" y="1896533"/>
+            <a:ext cx="7157866" cy="3962266"/>
+          </a:xfrm>
+        </p:spPr>
+        <p:txBody>
+          <a:bodyPr>
+            <a:normAutofit/>
+          </a:bodyPr>
           <a:lstStyle/>
           <a:p>
             <a:pPr marL="0" indent="0">
+              <a:lnSpc>
+                <a:spcPct val="90000"/>
+              </a:lnSpc>
+              <a:buClr>
+                <a:srgbClr val="B0EAFF"/>
+              </a:buClr>
               <a:buNone/>
             </a:pPr>
             <a:r>
-              <a:rPr lang="en-US" b="1" i="0" u="sng" dirty="0">
-                <a:solidFill>
-                  <a:srgbClr val="1F1F1F"/>
-                </a:solidFill>
+              <a:rPr lang="en-US" b="1" i="0" u="sng">
                 <a:effectLst/>
                 <a:latin typeface="Google Sans"/>
               </a:rPr>
               <a:t>Objective</a:t>
             </a:r>
             <a:r>
-              <a:rPr lang="en-US" b="0" i="0" dirty="0">
-                <a:solidFill>
-                  <a:srgbClr val="1F1F1F"/>
-                </a:solidFill>
+              <a:rPr lang="en-US" b="0" i="0">
                 <a:effectLst/>
                 <a:latin typeface="Google Sans"/>
               </a:rPr>
@@ -5728,11 +7432,16 @@
             </a:r>
           </a:p>
           <a:p>
-            <a:r>
-              <a:rPr lang="en-US" b="0" i="0" dirty="0">
-                <a:solidFill>
-                  <a:srgbClr val="1F1F1F"/>
-                </a:solidFill>
+            <a:pPr>
+              <a:lnSpc>
+                <a:spcPct val="90000"/>
+              </a:lnSpc>
+              <a:buClr>
+                <a:srgbClr val="B0EAFF"/>
+              </a:buClr>
+            </a:pPr>
+            <a:r>
+              <a:rPr lang="en-US" b="0" i="0">
                 <a:effectLst/>
                 <a:latin typeface="Google Sans"/>
               </a:rPr>
@@ -5741,14 +7450,17 @@
           </a:p>
           <a:p>
             <a:pPr marL="666900" lvl="1" indent="-342900">
+              <a:lnSpc>
+                <a:spcPct val="90000"/>
+              </a:lnSpc>
+              <a:buClr>
+                <a:srgbClr val="B0EAFF"/>
+              </a:buClr>
               <a:buFont typeface="+mj-lt"/>
               <a:buAutoNum type="arabicPeriod"/>
             </a:pPr>
             <a:r>
-              <a:rPr lang="en-US" b="0" i="0" dirty="0">
-                <a:solidFill>
-                  <a:srgbClr val="1F1F1F"/>
-                </a:solidFill>
+              <a:rPr lang="en-US" b="0" i="0">
                 <a:effectLst/>
                 <a:latin typeface="Google Sans"/>
               </a:rPr>
@@ -5757,14 +7469,17 @@
           </a:p>
           <a:p>
             <a:pPr marL="666900" lvl="1" indent="-342900">
+              <a:lnSpc>
+                <a:spcPct val="90000"/>
+              </a:lnSpc>
+              <a:buClr>
+                <a:srgbClr val="B0EAFF"/>
+              </a:buClr>
               <a:buFont typeface="+mj-lt"/>
               <a:buAutoNum type="arabicPeriod"/>
             </a:pPr>
             <a:r>
-              <a:rPr lang="en-US" b="0" i="0" dirty="0">
-                <a:solidFill>
-                  <a:srgbClr val="1F1F1F"/>
-                </a:solidFill>
+              <a:rPr lang="en-US" b="0" i="0">
                 <a:effectLst/>
                 <a:latin typeface="Google Sans"/>
               </a:rPr>
@@ -5773,79 +7488,72 @@
           </a:p>
           <a:p>
             <a:pPr marL="0" indent="0">
+              <a:lnSpc>
+                <a:spcPct val="90000"/>
+              </a:lnSpc>
+              <a:buClr>
+                <a:srgbClr val="B0EAFF"/>
+              </a:buClr>
               <a:buNone/>
             </a:pPr>
             <a:r>
-              <a:rPr lang="en-US" b="1" u="sng" dirty="0">
-                <a:solidFill>
-                  <a:srgbClr val="1F1F1F"/>
-                </a:solidFill>
+              <a:rPr lang="en-US" b="1" u="sng">
                 <a:latin typeface="Google Sans"/>
               </a:rPr>
               <a:t>Deployment</a:t>
             </a:r>
-            <a:endParaRPr lang="en-US" b="1" i="0" u="sng" dirty="0">
-              <a:solidFill>
-                <a:srgbClr val="1F1F1F"/>
-              </a:solidFill>
+            <a:endParaRPr lang="en-US" b="1" i="0" u="sng">
               <a:effectLst/>
               <a:latin typeface="Google Sans"/>
             </a:endParaRPr>
           </a:p>
           <a:p>
-            <a:r>
-              <a:rPr lang="en-US" b="0" i="0" dirty="0">
-                <a:solidFill>
-                  <a:srgbClr val="1F1F1F"/>
-                </a:solidFill>
+            <a:pPr>
+              <a:lnSpc>
+                <a:spcPct val="90000"/>
+              </a:lnSpc>
+              <a:buClr>
+                <a:srgbClr val="B0EAFF"/>
+              </a:buClr>
+            </a:pPr>
+            <a:r>
+              <a:rPr lang="en-US" b="0" i="0">
                 <a:effectLst/>
                 <a:latin typeface="Google Sans"/>
               </a:rPr>
-              <a:t>To do this, we used </a:t>
-            </a:r>
-            <a:r>
-              <a:rPr lang="en-US" b="0" i="0" dirty="0" err="1">
-                <a:solidFill>
-                  <a:srgbClr val="1F1F1F"/>
-                </a:solidFill>
+              <a:t>To do this, we used Streamlit, an open-source Python library that allows you to build data science apps. </a:t>
+            </a:r>
+          </a:p>
+          <a:p>
+            <a:pPr>
+              <a:lnSpc>
+                <a:spcPct val="90000"/>
+              </a:lnSpc>
+              <a:buClr>
+                <a:srgbClr val="B0EAFF"/>
+              </a:buClr>
+            </a:pPr>
+            <a:r>
+              <a:rPr lang="en-US" b="0" i="0">
                 <a:effectLst/>
                 <a:latin typeface="Google Sans"/>
               </a:rPr>
-              <a:t>Streamlit</a:t>
-            </a:r>
-            <a:r>
-              <a:rPr lang="en-US" b="0" i="0" dirty="0">
-                <a:solidFill>
-                  <a:srgbClr val="1F1F1F"/>
-                </a:solidFill>
-                <a:effectLst/>
-                <a:latin typeface="Google Sans"/>
-              </a:rPr>
-              <a:t>, an open-source Python library that allows you to build data science apps. </a:t>
-            </a:r>
-          </a:p>
-          <a:p>
-            <a:r>
-              <a:rPr lang="en-US" b="0" i="0" dirty="0">
-                <a:solidFill>
-                  <a:srgbClr val="1F1F1F"/>
-                </a:solidFill>
-                <a:effectLst/>
-                <a:latin typeface="Google Sans"/>
-              </a:rPr>
               <a:t>App Features:</a:t>
             </a:r>
           </a:p>
           <a:p>
             <a:pPr marL="666900" lvl="1" indent="-342900">
+              <a:lnSpc>
+                <a:spcPct val="90000"/>
+              </a:lnSpc>
+              <a:buClr>
+                <a:srgbClr val="B0EAFF"/>
+              </a:buClr>
               <a:buFont typeface="+mj-lt"/>
               <a:buAutoNum type="arabicPeriod"/>
             </a:pPr>
             <a:r>
-              <a:rPr lang="en-US" b="0" i="0" dirty="0">
-                <a:solidFill>
-                  <a:srgbClr val="1F1F1F"/>
-                </a:solidFill>
+              <a:rPr lang="en-US" b="0" i="0">
                 <a:effectLst/>
                 <a:latin typeface="Google Sans"/>
               </a:rPr>
@@ -5854,20 +7562,23 @@
           </a:p>
           <a:p>
             <a:pPr marL="666900" lvl="1" indent="-342900">
+              <a:lnSpc>
+                <a:spcPct val="90000"/>
+              </a:lnSpc>
+              <a:buClr>
+                <a:srgbClr val="B0EAFF"/>
+              </a:buClr>
               <a:buFont typeface="+mj-lt"/>
               <a:buAutoNum type="arabicPeriod"/>
             </a:pPr>
             <a:r>
-              <a:rPr lang="en-US" b="0" i="0" dirty="0">
-                <a:solidFill>
-                  <a:srgbClr val="1F1F1F"/>
-                </a:solidFill>
+              <a:rPr lang="en-US" b="0" i="0">
                 <a:effectLst/>
                 <a:latin typeface="Google Sans"/>
               </a:rPr>
               <a:t>Real-Time Prediction - Predicts whether the sentiment is Positive, Neutral, or Negative.</a:t>
             </a:r>
-            <a:endParaRPr lang="en-US" dirty="0"/>
+            <a:endParaRPr lang="en-US"/>
           </a:p>
         </p:txBody>
       </p:sp>
